--- a/Green coding ppt (2).pptx
+++ b/Green coding ppt (2).pptx
@@ -5,7 +5,7 @@
     <p:sldMasterId id="2147483665" r:id="rId1"/>
   </p:sldMasterIdLst>
   <p:notesMasterIdLst>
-    <p:notesMasterId r:id="rId34"/>
+    <p:notesMasterId r:id="rId40"/>
   </p:notesMasterIdLst>
   <p:sldIdLst>
     <p:sldId id="256" r:id="rId2"/>
@@ -39,7 +39,13 @@
     <p:sldId id="286" r:id="rId30"/>
     <p:sldId id="287" r:id="rId31"/>
     <p:sldId id="288" r:id="rId32"/>
-    <p:sldId id="289" r:id="rId33"/>
+    <p:sldId id="290" r:id="rId33"/>
+    <p:sldId id="289" r:id="rId34"/>
+    <p:sldId id="291" r:id="rId35"/>
+    <p:sldId id="292" r:id="rId36"/>
+    <p:sldId id="293" r:id="rId37"/>
+    <p:sldId id="294" r:id="rId38"/>
+    <p:sldId id="295" r:id="rId39"/>
   </p:sldIdLst>
   <p:sldSz cx="12192000" cy="6858000"/>
   <p:notesSz cx="6858000" cy="9144000"/>
@@ -272,6 +278,11 @@
       </a:defRPr>
     </a:lvl9pPr>
   </p:defaultTextStyle>
+  <p:extLst>
+    <p:ext uri="{EFAFB233-063F-42B5-8137-9DF3F51BA10A}">
+      <p15:sldGuideLst xmlns:p15="http://schemas.microsoft.com/office/powerpoint/2012/main"/>
+    </p:ext>
+  </p:extLst>
 </p:presentation>
 </file>
 
@@ -30911,7 +30922,15 @@
             </a:pPr>
             <a:r>
               <a:rPr lang="hr-HR" dirty="0"/>
-              <a:t>Sve aplikacije koje upravljaju dana centrima i ostalim uslugama temeljenim na oblaku</a:t>
+              <a:t>Sve aplikacije koje upravljaju da</a:t>
+            </a:r>
+            <a:r>
+              <a:rPr lang="en-US" dirty="0"/>
+              <a:t>t</a:t>
+            </a:r>
+            <a:r>
+              <a:rPr lang="hr-HR" dirty="0"/>
+              <a:t>a centrima i ostalim uslugama temeljenim na oblaku</a:t>
             </a:r>
             <a:endParaRPr dirty="0"/>
           </a:p>
@@ -35430,7 +35449,7 @@
           </a:bodyPr>
           <a:lstStyle/>
           <a:p>
-            <a:pPr marL="0" lvl="0" indent="0" algn="ctr" rtl="0">
+            <a:pPr marL="0" lvl="0" indent="0" rtl="0">
               <a:lnSpc>
                 <a:spcPct val="90000"/>
               </a:lnSpc>
@@ -35737,7 +35756,7 @@
           </a:bodyPr>
           <a:lstStyle/>
           <a:p>
-            <a:pPr marL="228600" lvl="0" indent="-228600" algn="l" rtl="0">
+            <a:pPr marL="0" lvl="0" indent="0" algn="l" rtl="0">
               <a:lnSpc>
                 <a:spcPct val="120000"/>
               </a:lnSpc>
@@ -35751,7 +35770,7 @@
                 <a:schemeClr val="lt1"/>
               </a:buClr>
               <a:buSzPts val="3000"/>
-              <a:buChar char="•"/>
+              <a:buNone/>
             </a:pPr>
             <a:r>
               <a:rPr lang="hr-HR" dirty="0"/>
@@ -36831,7 +36850,15 @@
             </a:pPr>
             <a:r>
               <a:rPr lang="hr-HR" dirty="0"/>
-              <a:t>Strateški locirani dana centri(</a:t>
+              <a:t>Strateški locirani da</a:t>
+            </a:r>
+            <a:r>
+              <a:rPr lang="en-US" dirty="0"/>
+              <a:t>t</a:t>
+            </a:r>
+            <a:r>
+              <a:rPr lang="hr-HR" dirty="0"/>
+              <a:t>a centri(</a:t>
             </a:r>
             <a:r>
               <a:rPr lang="hr-HR" dirty="0" err="1"/>
@@ -39719,6 +39746,149 @@
   <p:cSld>
     <p:spTree>
       <p:nvGrpSpPr>
+        <p:cNvPr id="1" name=""/>
+        <p:cNvGrpSpPr/>
+        <p:nvPr/>
+      </p:nvGrpSpPr>
+      <p:grpSpPr>
+        <a:xfrm>
+          <a:off x="0" y="0"/>
+          <a:ext cx="0" cy="0"/>
+          <a:chOff x="0" y="0"/>
+          <a:chExt cx="0" cy="0"/>
+        </a:xfrm>
+      </p:grpSpPr>
+      <p:sp>
+        <p:nvSpPr>
+          <p:cNvPr id="2" name="Naslov 1">
+            <a:extLst>
+              <a:ext uri="{FF2B5EF4-FFF2-40B4-BE49-F238E27FC236}">
+                <a16:creationId xmlns:a16="http://schemas.microsoft.com/office/drawing/2014/main" id="{D31CFB43-003E-20EB-64BD-8E98150F0794}"/>
+              </a:ext>
+            </a:extLst>
+          </p:cNvPr>
+          <p:cNvSpPr>
+            <a:spLocks noGrp="1"/>
+          </p:cNvSpPr>
+          <p:nvPr>
+            <p:ph type="title"/>
+          </p:nvPr>
+        </p:nvSpPr>
+        <p:spPr/>
+        <p:txBody>
+          <a:bodyPr/>
+          <a:lstStyle/>
+          <a:p>
+            <a:r>
+              <a:rPr lang="en-US" dirty="0" err="1"/>
+              <a:t>Pitanja</a:t>
+            </a:r>
+            <a:endParaRPr lang="en-US" dirty="0"/>
+          </a:p>
+        </p:txBody>
+      </p:sp>
+      <p:sp>
+        <p:nvSpPr>
+          <p:cNvPr id="3" name="Rezervirano mjesto teksta 2">
+            <a:extLst>
+              <a:ext uri="{FF2B5EF4-FFF2-40B4-BE49-F238E27FC236}">
+                <a16:creationId xmlns:a16="http://schemas.microsoft.com/office/drawing/2014/main" id="{85E935AE-DCCD-DD0C-A9EA-B201D08EF3F5}"/>
+              </a:ext>
+            </a:extLst>
+          </p:cNvPr>
+          <p:cNvSpPr>
+            <a:spLocks noGrp="1"/>
+          </p:cNvSpPr>
+          <p:nvPr>
+            <p:ph type="body" idx="1"/>
+          </p:nvPr>
+        </p:nvSpPr>
+        <p:spPr/>
+        <p:txBody>
+          <a:bodyPr/>
+          <a:lstStyle/>
+          <a:p>
+            <a:r>
+              <a:rPr lang="en-US" dirty="0"/>
+              <a:t>1. Koja je </a:t>
+            </a:r>
+            <a:r>
+              <a:rPr lang="en-US" dirty="0" err="1"/>
+              <a:t>razlika</a:t>
+            </a:r>
+            <a:r>
+              <a:rPr lang="en-US" dirty="0"/>
+              <a:t> </a:t>
+            </a:r>
+            <a:r>
+              <a:rPr lang="en-US" dirty="0" err="1"/>
+              <a:t>između</a:t>
+            </a:r>
+            <a:r>
+              <a:rPr lang="en-US" dirty="0"/>
+              <a:t> </a:t>
+            </a:r>
+            <a:r>
+              <a:rPr lang="en-US" dirty="0" err="1"/>
+              <a:t>interpretacijskih</a:t>
+            </a:r>
+            <a:r>
+              <a:rPr lang="en-US" dirty="0"/>
+              <a:t> </a:t>
+            </a:r>
+            <a:r>
+              <a:rPr lang="en-US" dirty="0" err="1"/>
+              <a:t>i</a:t>
+            </a:r>
+            <a:r>
+              <a:rPr lang="en-US" dirty="0"/>
+              <a:t> </a:t>
+            </a:r>
+            <a:r>
+              <a:rPr lang="en-US" dirty="0" err="1"/>
+              <a:t>kompilacijskih</a:t>
+            </a:r>
+            <a:r>
+              <a:rPr lang="en-US" dirty="0"/>
+              <a:t> </a:t>
+            </a:r>
+            <a:r>
+              <a:rPr lang="en-US" dirty="0" err="1"/>
+              <a:t>programskih</a:t>
+            </a:r>
+            <a:r>
+              <a:rPr lang="en-US" dirty="0"/>
+              <a:t> </a:t>
+            </a:r>
+            <a:r>
+              <a:rPr lang="en-US" dirty="0" err="1"/>
+              <a:t>jezika</a:t>
+            </a:r>
+            <a:r>
+              <a:rPr lang="en-US" dirty="0"/>
+              <a:t>?</a:t>
+            </a:r>
+          </a:p>
+        </p:txBody>
+      </p:sp>
+    </p:spTree>
+    <p:extLst>
+      <p:ext uri="{BB962C8B-B14F-4D97-AF65-F5344CB8AC3E}">
+        <p14:creationId xmlns:p14="http://schemas.microsoft.com/office/powerpoint/2010/main" val="2422049257"/>
+      </p:ext>
+    </p:extLst>
+  </p:cSld>
+  <p:clrMapOvr>
+    <a:masterClrMapping/>
+  </p:clrMapOvr>
+</p:sld>
+</file>
+
+<file path=ppt/slides/slide33.xml><?xml version="1.0" encoding="utf-8"?>
+<p:sld xmlns:a="http://schemas.openxmlformats.org/drawingml/2006/main" xmlns:r="http://schemas.openxmlformats.org/officeDocument/2006/relationships" xmlns:p="http://schemas.openxmlformats.org/presentationml/2006/main">
+  <p:cSld>
+    <p:spTree>
+      <p:nvGrpSpPr>
         <p:cNvPr id="1" name="Shape 542"/>
         <p:cNvGrpSpPr/>
         <p:nvPr/>
@@ -40003,6 +40173,1082 @@
         </p:txBody>
       </p:sp>
     </p:spTree>
+  </p:cSld>
+  <p:clrMapOvr>
+    <a:masterClrMapping/>
+  </p:clrMapOvr>
+</p:sld>
+</file>
+
+<file path=ppt/slides/slide34.xml><?xml version="1.0" encoding="utf-8"?>
+<p:sld xmlns:a="http://schemas.openxmlformats.org/drawingml/2006/main" xmlns:r="http://schemas.openxmlformats.org/officeDocument/2006/relationships" xmlns:p="http://schemas.openxmlformats.org/presentationml/2006/main">
+  <p:cSld>
+    <p:spTree>
+      <p:nvGrpSpPr>
+        <p:cNvPr id="1" name=""/>
+        <p:cNvGrpSpPr/>
+        <p:nvPr/>
+      </p:nvGrpSpPr>
+      <p:grpSpPr>
+        <a:xfrm>
+          <a:off x="0" y="0"/>
+          <a:ext cx="0" cy="0"/>
+          <a:chOff x="0" y="0"/>
+          <a:chExt cx="0" cy="0"/>
+        </a:xfrm>
+      </p:grpSpPr>
+      <p:sp>
+        <p:nvSpPr>
+          <p:cNvPr id="2" name="Naslov 1">
+            <a:extLst>
+              <a:ext uri="{FF2B5EF4-FFF2-40B4-BE49-F238E27FC236}">
+                <a16:creationId xmlns:a16="http://schemas.microsoft.com/office/drawing/2014/main" id="{0C6D5073-05C9-23C7-F9A4-B2809F4C3BF9}"/>
+              </a:ext>
+            </a:extLst>
+          </p:cNvPr>
+          <p:cNvSpPr>
+            <a:spLocks noGrp="1"/>
+          </p:cNvSpPr>
+          <p:nvPr>
+            <p:ph type="title"/>
+          </p:nvPr>
+        </p:nvSpPr>
+        <p:spPr/>
+        <p:txBody>
+          <a:bodyPr/>
+          <a:lstStyle/>
+          <a:p>
+            <a:r>
+              <a:rPr lang="en-US" dirty="0" err="1"/>
+              <a:t>Pitanja</a:t>
+            </a:r>
+            <a:endParaRPr lang="en-US" dirty="0"/>
+          </a:p>
+        </p:txBody>
+      </p:sp>
+      <p:sp>
+        <p:nvSpPr>
+          <p:cNvPr id="3" name="Rezervirano mjesto teksta 2">
+            <a:extLst>
+              <a:ext uri="{FF2B5EF4-FFF2-40B4-BE49-F238E27FC236}">
+                <a16:creationId xmlns:a16="http://schemas.microsoft.com/office/drawing/2014/main" id="{9800B9C4-23BE-A9B5-C414-0EA9EE6F0B3E}"/>
+              </a:ext>
+            </a:extLst>
+          </p:cNvPr>
+          <p:cNvSpPr>
+            <a:spLocks noGrp="1"/>
+          </p:cNvSpPr>
+          <p:nvPr>
+            <p:ph type="body" idx="1"/>
+          </p:nvPr>
+        </p:nvSpPr>
+        <p:spPr/>
+        <p:txBody>
+          <a:bodyPr/>
+          <a:lstStyle/>
+          <a:p>
+            <a:r>
+              <a:rPr lang="en-US" dirty="0"/>
+              <a:t>1. </a:t>
+            </a:r>
+            <a:r>
+              <a:rPr lang="en-US" dirty="0" err="1"/>
+              <a:t>Tijekom</a:t>
+            </a:r>
+            <a:r>
+              <a:rPr lang="en-US" dirty="0"/>
+              <a:t> </a:t>
+            </a:r>
+            <a:r>
+              <a:rPr lang="en-US" dirty="0" err="1"/>
+              <a:t>izvođenja</a:t>
+            </a:r>
+            <a:r>
+              <a:rPr lang="en-US" dirty="0"/>
+              <a:t>, interpreter </a:t>
+            </a:r>
+            <a:r>
+              <a:rPr lang="en-US" dirty="0" err="1"/>
+              <a:t>prolazi</a:t>
+            </a:r>
+            <a:r>
+              <a:rPr lang="en-US" dirty="0"/>
+              <a:t> </a:t>
+            </a:r>
+            <a:r>
+              <a:rPr lang="en-US" dirty="0" err="1"/>
+              <a:t>kroz</a:t>
+            </a:r>
+            <a:r>
+              <a:rPr lang="en-US" dirty="0"/>
+              <a:t> </a:t>
+            </a:r>
+            <a:r>
+              <a:rPr lang="en-US" dirty="0" err="1"/>
+              <a:t>izvorni</a:t>
+            </a:r>
+            <a:r>
+              <a:rPr lang="en-US" dirty="0"/>
+              <a:t> </a:t>
+            </a:r>
+            <a:r>
+              <a:rPr lang="en-US" dirty="0" err="1"/>
+              <a:t>kod</a:t>
+            </a:r>
+            <a:r>
+              <a:rPr lang="en-US" dirty="0"/>
+              <a:t> </a:t>
+            </a:r>
+            <a:r>
+              <a:rPr lang="en-US" dirty="0" err="1"/>
+              <a:t>liniju</a:t>
+            </a:r>
+            <a:r>
+              <a:rPr lang="en-US" dirty="0"/>
+              <a:t> po </a:t>
+            </a:r>
+            <a:r>
+              <a:rPr lang="en-US" dirty="0" err="1"/>
+              <a:t>liniju</a:t>
+            </a:r>
+            <a:r>
+              <a:rPr lang="en-US" dirty="0"/>
+              <a:t> </a:t>
+            </a:r>
+            <a:r>
+              <a:rPr lang="en-US" dirty="0" err="1"/>
+              <a:t>i</a:t>
+            </a:r>
+            <a:r>
+              <a:rPr lang="en-US" dirty="0"/>
+              <a:t> </a:t>
+            </a:r>
+            <a:r>
+              <a:rPr lang="en-US" dirty="0" err="1"/>
+              <a:t>izvršava</a:t>
+            </a:r>
+            <a:r>
+              <a:rPr lang="en-US" dirty="0"/>
+              <a:t> ga </a:t>
+            </a:r>
+            <a:r>
+              <a:rPr lang="en-US" dirty="0" err="1"/>
+              <a:t>odmah</a:t>
+            </a:r>
+            <a:r>
+              <a:rPr lang="en-US" dirty="0"/>
+              <a:t> </a:t>
+            </a:r>
+            <a:r>
+              <a:rPr lang="en-US" dirty="0" err="1"/>
+              <a:t>te</a:t>
+            </a:r>
+            <a:r>
+              <a:rPr lang="en-US" dirty="0"/>
+              <a:t> </a:t>
+            </a:r>
+            <a:r>
+              <a:rPr lang="en-US" dirty="0" err="1"/>
+              <a:t>nema</a:t>
+            </a:r>
+            <a:r>
+              <a:rPr lang="en-US" dirty="0"/>
+              <a:t> </a:t>
+            </a:r>
+            <a:r>
+              <a:rPr lang="en-US" dirty="0" err="1"/>
+              <a:t>prethodne</a:t>
+            </a:r>
+            <a:r>
+              <a:rPr lang="en-US" dirty="0"/>
+              <a:t> faze </a:t>
+            </a:r>
+            <a:r>
+              <a:rPr lang="en-US" dirty="0" err="1"/>
+              <a:t>kompilacije</a:t>
+            </a:r>
+            <a:r>
+              <a:rPr lang="en-US" dirty="0"/>
+              <a:t> u </a:t>
+            </a:r>
+            <a:r>
+              <a:rPr lang="en-US" dirty="0" err="1"/>
+              <a:t>kojoj</a:t>
+            </a:r>
+            <a:r>
+              <a:rPr lang="en-US" dirty="0"/>
+              <a:t> se </a:t>
+            </a:r>
+            <a:r>
+              <a:rPr lang="en-US" dirty="0" err="1"/>
+              <a:t>generira</a:t>
+            </a:r>
+            <a:r>
+              <a:rPr lang="en-US" dirty="0"/>
+              <a:t> </a:t>
+            </a:r>
+            <a:r>
+              <a:rPr lang="en-US" dirty="0" err="1"/>
+              <a:t>izvršni</a:t>
+            </a:r>
+            <a:r>
+              <a:rPr lang="en-US" dirty="0"/>
+              <a:t> </a:t>
+            </a:r>
+            <a:r>
+              <a:rPr lang="en-US" dirty="0" err="1"/>
+              <a:t>kod.Kompilacijski</a:t>
+            </a:r>
+            <a:r>
+              <a:rPr lang="en-US" dirty="0"/>
+              <a:t> </a:t>
+            </a:r>
+            <a:r>
+              <a:rPr lang="en-US" dirty="0" err="1"/>
+              <a:t>jezici</a:t>
+            </a:r>
+            <a:r>
+              <a:rPr lang="en-US" dirty="0"/>
+              <a:t> </a:t>
+            </a:r>
+            <a:r>
+              <a:rPr lang="en-US" dirty="0" err="1"/>
+              <a:t>koriste</a:t>
+            </a:r>
+            <a:r>
+              <a:rPr lang="en-US" dirty="0"/>
+              <a:t> compiler za </a:t>
+            </a:r>
+            <a:r>
+              <a:rPr lang="en-US" dirty="0" err="1"/>
+              <a:t>prijevod</a:t>
+            </a:r>
+            <a:r>
+              <a:rPr lang="en-US" dirty="0"/>
+              <a:t> </a:t>
+            </a:r>
+            <a:r>
+              <a:rPr lang="en-US" dirty="0" err="1"/>
+              <a:t>izvornog</a:t>
+            </a:r>
+            <a:r>
+              <a:rPr lang="en-US" dirty="0"/>
+              <a:t> </a:t>
+            </a:r>
+            <a:r>
+              <a:rPr lang="en-US" dirty="0" err="1"/>
+              <a:t>koda</a:t>
+            </a:r>
+            <a:r>
+              <a:rPr lang="en-US" dirty="0"/>
+              <a:t> u </a:t>
+            </a:r>
+            <a:r>
+              <a:rPr lang="en-US" dirty="0" err="1"/>
+              <a:t>izvršni</a:t>
+            </a:r>
+            <a:r>
+              <a:rPr lang="en-US" dirty="0"/>
+              <a:t> </a:t>
+            </a:r>
+            <a:r>
+              <a:rPr lang="en-US" dirty="0" err="1"/>
+              <a:t>oblik</a:t>
+            </a:r>
+            <a:r>
+              <a:rPr lang="en-US" dirty="0"/>
+              <a:t> </a:t>
+            </a:r>
+            <a:r>
+              <a:rPr lang="en-US" dirty="0" err="1"/>
+              <a:t>prije</a:t>
+            </a:r>
+            <a:r>
+              <a:rPr lang="en-US" dirty="0"/>
+              <a:t> </a:t>
+            </a:r>
+            <a:r>
+              <a:rPr lang="en-US" dirty="0" err="1"/>
+              <a:t>izvođenja</a:t>
+            </a:r>
+            <a:r>
+              <a:rPr lang="en-US" dirty="0"/>
+              <a:t> </a:t>
+            </a:r>
+            <a:r>
+              <a:rPr lang="en-US" dirty="0" err="1"/>
+              <a:t>programa</a:t>
+            </a:r>
+            <a:r>
+              <a:rPr lang="en-US" dirty="0"/>
+              <a:t>. </a:t>
+            </a:r>
+            <a:r>
+              <a:rPr lang="en-US" dirty="0" err="1"/>
+              <a:t>Kompilacija</a:t>
+            </a:r>
+            <a:r>
+              <a:rPr lang="en-US" dirty="0"/>
+              <a:t> </a:t>
+            </a:r>
+            <a:r>
+              <a:rPr lang="en-US" dirty="0" err="1"/>
+              <a:t>obično</a:t>
+            </a:r>
+            <a:r>
+              <a:rPr lang="en-US" dirty="0"/>
+              <a:t> </a:t>
+            </a:r>
+            <a:r>
+              <a:rPr lang="en-US" dirty="0" err="1"/>
+              <a:t>rezultira</a:t>
+            </a:r>
+            <a:r>
+              <a:rPr lang="en-US" dirty="0"/>
+              <a:t> </a:t>
+            </a:r>
+            <a:r>
+              <a:rPr lang="en-US" dirty="0" err="1"/>
+              <a:t>bržim</a:t>
+            </a:r>
+            <a:r>
+              <a:rPr lang="en-US" dirty="0"/>
+              <a:t> </a:t>
+            </a:r>
+            <a:r>
+              <a:rPr lang="en-US" dirty="0" err="1"/>
+              <a:t>izvršavanjem</a:t>
+            </a:r>
+            <a:r>
+              <a:rPr lang="en-US" dirty="0"/>
+              <a:t> </a:t>
+            </a:r>
+            <a:r>
+              <a:rPr lang="en-US" dirty="0" err="1"/>
+              <a:t>programa</a:t>
+            </a:r>
+            <a:r>
+              <a:rPr lang="en-US" dirty="0"/>
+              <a:t> </a:t>
+            </a:r>
+            <a:r>
+              <a:rPr lang="en-US" dirty="0" err="1"/>
+              <a:t>jer</a:t>
+            </a:r>
+            <a:r>
+              <a:rPr lang="en-US" dirty="0"/>
+              <a:t> se </a:t>
+            </a:r>
+            <a:r>
+              <a:rPr lang="en-US" dirty="0" err="1"/>
+              <a:t>prijevod</a:t>
+            </a:r>
+            <a:r>
+              <a:rPr lang="en-US" dirty="0"/>
+              <a:t> </a:t>
+            </a:r>
+            <a:r>
+              <a:rPr lang="en-US" dirty="0" err="1"/>
+              <a:t>izvornog</a:t>
+            </a:r>
+            <a:r>
+              <a:rPr lang="en-US" dirty="0"/>
+              <a:t> </a:t>
+            </a:r>
+            <a:r>
+              <a:rPr lang="en-US" dirty="0" err="1"/>
+              <a:t>koda</a:t>
+            </a:r>
+            <a:r>
+              <a:rPr lang="en-US" dirty="0"/>
+              <a:t> </a:t>
+            </a:r>
+            <a:r>
+              <a:rPr lang="en-US" dirty="0" err="1"/>
+              <a:t>obavlja</a:t>
+            </a:r>
+            <a:r>
+              <a:rPr lang="en-US" dirty="0"/>
+              <a:t> </a:t>
+            </a:r>
+            <a:r>
+              <a:rPr lang="en-US" dirty="0" err="1"/>
+              <a:t>samo</a:t>
+            </a:r>
+            <a:r>
+              <a:rPr lang="en-US" dirty="0"/>
+              <a:t> </a:t>
+            </a:r>
+            <a:r>
+              <a:rPr lang="en-US" dirty="0" err="1"/>
+              <a:t>jednom</a:t>
+            </a:r>
+            <a:r>
+              <a:rPr lang="en-US" dirty="0"/>
+              <a:t>, </a:t>
+            </a:r>
+            <a:r>
+              <a:rPr lang="en-US" dirty="0" err="1"/>
+              <a:t>prije</a:t>
+            </a:r>
+            <a:r>
+              <a:rPr lang="en-US" dirty="0"/>
+              <a:t> </a:t>
+            </a:r>
+            <a:r>
+              <a:rPr lang="en-US" dirty="0" err="1"/>
+              <a:t>samog</a:t>
+            </a:r>
+            <a:r>
+              <a:rPr lang="en-US" dirty="0"/>
+              <a:t> </a:t>
+            </a:r>
+            <a:r>
+              <a:rPr lang="en-US" dirty="0" err="1"/>
+              <a:t>izvođenja</a:t>
+            </a:r>
+            <a:r>
+              <a:rPr lang="en-US" dirty="0"/>
+              <a:t>.</a:t>
+            </a:r>
+          </a:p>
+        </p:txBody>
+      </p:sp>
+    </p:spTree>
+    <p:extLst>
+      <p:ext uri="{BB962C8B-B14F-4D97-AF65-F5344CB8AC3E}">
+        <p14:creationId xmlns:p14="http://schemas.microsoft.com/office/powerpoint/2010/main" val="3241877132"/>
+      </p:ext>
+    </p:extLst>
+  </p:cSld>
+  <p:clrMapOvr>
+    <a:masterClrMapping/>
+  </p:clrMapOvr>
+</p:sld>
+</file>
+
+<file path=ppt/slides/slide35.xml><?xml version="1.0" encoding="utf-8"?>
+<p:sld xmlns:a="http://schemas.openxmlformats.org/drawingml/2006/main" xmlns:r="http://schemas.openxmlformats.org/officeDocument/2006/relationships" xmlns:p="http://schemas.openxmlformats.org/presentationml/2006/main">
+  <p:cSld>
+    <p:spTree>
+      <p:nvGrpSpPr>
+        <p:cNvPr id="1" name=""/>
+        <p:cNvGrpSpPr/>
+        <p:nvPr/>
+      </p:nvGrpSpPr>
+      <p:grpSpPr>
+        <a:xfrm>
+          <a:off x="0" y="0"/>
+          <a:ext cx="0" cy="0"/>
+          <a:chOff x="0" y="0"/>
+          <a:chExt cx="0" cy="0"/>
+        </a:xfrm>
+      </p:grpSpPr>
+      <p:sp>
+        <p:nvSpPr>
+          <p:cNvPr id="2" name="Naslov 1">
+            <a:extLst>
+              <a:ext uri="{FF2B5EF4-FFF2-40B4-BE49-F238E27FC236}">
+                <a16:creationId xmlns:a16="http://schemas.microsoft.com/office/drawing/2014/main" id="{EB51205D-B84F-EF69-1F18-EB5D6D2E875E}"/>
+              </a:ext>
+            </a:extLst>
+          </p:cNvPr>
+          <p:cNvSpPr>
+            <a:spLocks noGrp="1"/>
+          </p:cNvSpPr>
+          <p:nvPr>
+            <p:ph type="title"/>
+          </p:nvPr>
+        </p:nvSpPr>
+        <p:spPr/>
+        <p:txBody>
+          <a:bodyPr/>
+          <a:lstStyle/>
+          <a:p>
+            <a:r>
+              <a:rPr lang="en-US" dirty="0" err="1"/>
+              <a:t>Pitanja</a:t>
+            </a:r>
+            <a:endParaRPr lang="en-US" dirty="0"/>
+          </a:p>
+        </p:txBody>
+      </p:sp>
+      <p:sp>
+        <p:nvSpPr>
+          <p:cNvPr id="3" name="Rezervirano mjesto teksta 2">
+            <a:extLst>
+              <a:ext uri="{FF2B5EF4-FFF2-40B4-BE49-F238E27FC236}">
+                <a16:creationId xmlns:a16="http://schemas.microsoft.com/office/drawing/2014/main" id="{164B9A53-37FE-1437-3E16-038923C6758A}"/>
+              </a:ext>
+            </a:extLst>
+          </p:cNvPr>
+          <p:cNvSpPr>
+            <a:spLocks noGrp="1"/>
+          </p:cNvSpPr>
+          <p:nvPr>
+            <p:ph type="body" idx="1"/>
+          </p:nvPr>
+        </p:nvSpPr>
+        <p:spPr/>
+        <p:txBody>
+          <a:bodyPr/>
+          <a:lstStyle/>
+          <a:p>
+            <a:r>
+              <a:rPr lang="en-US" dirty="0"/>
+              <a:t>2. </a:t>
+            </a:r>
+            <a:r>
+              <a:rPr lang="en-US" dirty="0" err="1"/>
+              <a:t>Navedite</a:t>
+            </a:r>
+            <a:r>
+              <a:rPr lang="en-US" dirty="0"/>
+              <a:t> 3 </a:t>
+            </a:r>
+            <a:r>
+              <a:rPr lang="en-US" dirty="0" err="1"/>
+              <a:t>glavna</a:t>
+            </a:r>
+            <a:r>
+              <a:rPr lang="en-US" dirty="0"/>
+              <a:t> </a:t>
+            </a:r>
+            <a:r>
+              <a:rPr lang="en-US" dirty="0" err="1"/>
+              <a:t>cilja</a:t>
+            </a:r>
+            <a:r>
+              <a:rPr lang="en-US" dirty="0"/>
+              <a:t> cloud </a:t>
+            </a:r>
+            <a:r>
+              <a:rPr lang="en-US" dirty="0" err="1"/>
+              <a:t>computinga</a:t>
+            </a:r>
+            <a:r>
+              <a:rPr lang="en-US" dirty="0"/>
+              <a:t>. </a:t>
+            </a:r>
+          </a:p>
+        </p:txBody>
+      </p:sp>
+    </p:spTree>
+    <p:extLst>
+      <p:ext uri="{BB962C8B-B14F-4D97-AF65-F5344CB8AC3E}">
+        <p14:creationId xmlns:p14="http://schemas.microsoft.com/office/powerpoint/2010/main" val="3215607355"/>
+      </p:ext>
+    </p:extLst>
+  </p:cSld>
+  <p:clrMapOvr>
+    <a:masterClrMapping/>
+  </p:clrMapOvr>
+</p:sld>
+</file>
+
+<file path=ppt/slides/slide36.xml><?xml version="1.0" encoding="utf-8"?>
+<p:sld xmlns:a="http://schemas.openxmlformats.org/drawingml/2006/main" xmlns:r="http://schemas.openxmlformats.org/officeDocument/2006/relationships" xmlns:p="http://schemas.openxmlformats.org/presentationml/2006/main">
+  <p:cSld>
+    <p:spTree>
+      <p:nvGrpSpPr>
+        <p:cNvPr id="1" name=""/>
+        <p:cNvGrpSpPr/>
+        <p:nvPr/>
+      </p:nvGrpSpPr>
+      <p:grpSpPr>
+        <a:xfrm>
+          <a:off x="0" y="0"/>
+          <a:ext cx="0" cy="0"/>
+          <a:chOff x="0" y="0"/>
+          <a:chExt cx="0" cy="0"/>
+        </a:xfrm>
+      </p:grpSpPr>
+      <p:sp>
+        <p:nvSpPr>
+          <p:cNvPr id="2" name="Naslov 1">
+            <a:extLst>
+              <a:ext uri="{FF2B5EF4-FFF2-40B4-BE49-F238E27FC236}">
+                <a16:creationId xmlns:a16="http://schemas.microsoft.com/office/drawing/2014/main" id="{4DC92130-EF7B-C2DF-6733-95314398A239}"/>
+              </a:ext>
+            </a:extLst>
+          </p:cNvPr>
+          <p:cNvSpPr>
+            <a:spLocks noGrp="1"/>
+          </p:cNvSpPr>
+          <p:nvPr>
+            <p:ph type="title"/>
+          </p:nvPr>
+        </p:nvSpPr>
+        <p:spPr/>
+        <p:txBody>
+          <a:bodyPr/>
+          <a:lstStyle/>
+          <a:p>
+            <a:r>
+              <a:rPr lang="en-US" dirty="0" err="1"/>
+              <a:t>Pitanja</a:t>
+            </a:r>
+            <a:endParaRPr lang="en-US" dirty="0"/>
+          </a:p>
+        </p:txBody>
+      </p:sp>
+      <p:sp>
+        <p:nvSpPr>
+          <p:cNvPr id="3" name="Rezervirano mjesto teksta 2">
+            <a:extLst>
+              <a:ext uri="{FF2B5EF4-FFF2-40B4-BE49-F238E27FC236}">
+                <a16:creationId xmlns:a16="http://schemas.microsoft.com/office/drawing/2014/main" id="{810FA557-A3F0-038C-54D1-DD59C751967B}"/>
+              </a:ext>
+            </a:extLst>
+          </p:cNvPr>
+          <p:cNvSpPr>
+            <a:spLocks noGrp="1"/>
+          </p:cNvSpPr>
+          <p:nvPr>
+            <p:ph type="body" idx="1"/>
+          </p:nvPr>
+        </p:nvSpPr>
+        <p:spPr/>
+        <p:txBody>
+          <a:bodyPr/>
+          <a:lstStyle/>
+          <a:p>
+            <a:pPr marL="0" lvl="0" indent="0" algn="l" rtl="0">
+              <a:lnSpc>
+                <a:spcPct val="120000"/>
+              </a:lnSpc>
+              <a:spcBef>
+                <a:spcPts val="1000"/>
+              </a:spcBef>
+              <a:spcAft>
+                <a:spcPts val="0"/>
+              </a:spcAft>
+              <a:buClr>
+                <a:schemeClr val="lt1"/>
+              </a:buClr>
+              <a:buSzPts val="3000"/>
+              <a:buNone/>
+            </a:pPr>
+            <a:r>
+              <a:rPr lang="en-US" dirty="0"/>
+              <a:t>2.</a:t>
+            </a:r>
+          </a:p>
+          <a:p>
+            <a:pPr marL="228600" lvl="0" indent="-228600" algn="l" rtl="0">
+              <a:lnSpc>
+                <a:spcPct val="120000"/>
+              </a:lnSpc>
+              <a:spcBef>
+                <a:spcPts val="1000"/>
+              </a:spcBef>
+              <a:spcAft>
+                <a:spcPts val="0"/>
+              </a:spcAft>
+              <a:buClr>
+                <a:schemeClr val="lt1"/>
+              </a:buClr>
+              <a:buSzPts val="3000"/>
+              <a:buChar char="•"/>
+            </a:pPr>
+            <a:r>
+              <a:rPr lang="hr-HR" dirty="0"/>
+              <a:t>Maksimiziranje iskoristivosti energije</a:t>
+            </a:r>
+          </a:p>
+          <a:p>
+            <a:pPr marL="228600" lvl="0" indent="-228600" algn="l" rtl="0">
+              <a:lnSpc>
+                <a:spcPct val="120000"/>
+              </a:lnSpc>
+              <a:spcBef>
+                <a:spcPts val="1000"/>
+              </a:spcBef>
+              <a:spcAft>
+                <a:spcPts val="0"/>
+              </a:spcAft>
+              <a:buClr>
+                <a:schemeClr val="lt1"/>
+              </a:buClr>
+              <a:buSzPts val="3000"/>
+              <a:buChar char="•"/>
+            </a:pPr>
+            <a:r>
+              <a:rPr lang="hr-HR" dirty="0"/>
+              <a:t>Promoviranje </a:t>
+            </a:r>
+            <a:r>
+              <a:rPr lang="hr-HR" dirty="0" err="1"/>
+              <a:t>reciklabilnih</a:t>
+            </a:r>
+            <a:r>
+              <a:rPr lang="hr-HR" dirty="0"/>
+              <a:t> materijala</a:t>
+            </a:r>
+          </a:p>
+          <a:p>
+            <a:pPr marL="228600" lvl="0" indent="-228600" algn="l" rtl="0">
+              <a:lnSpc>
+                <a:spcPct val="120000"/>
+              </a:lnSpc>
+              <a:spcBef>
+                <a:spcPts val="1000"/>
+              </a:spcBef>
+              <a:spcAft>
+                <a:spcPts val="0"/>
+              </a:spcAft>
+              <a:buClr>
+                <a:schemeClr val="lt1"/>
+              </a:buClr>
+              <a:buSzPts val="3000"/>
+              <a:buChar char="•"/>
+            </a:pPr>
+            <a:r>
+              <a:rPr lang="hr-HR" dirty="0"/>
+              <a:t>Minimiziranje rizičnih komponenti</a:t>
+            </a:r>
+          </a:p>
+          <a:p>
+            <a:endParaRPr lang="en-US" dirty="0"/>
+          </a:p>
+        </p:txBody>
+      </p:sp>
+    </p:spTree>
+    <p:extLst>
+      <p:ext uri="{BB962C8B-B14F-4D97-AF65-F5344CB8AC3E}">
+        <p14:creationId xmlns:p14="http://schemas.microsoft.com/office/powerpoint/2010/main" val="315045957"/>
+      </p:ext>
+    </p:extLst>
+  </p:cSld>
+  <p:clrMapOvr>
+    <a:masterClrMapping/>
+  </p:clrMapOvr>
+</p:sld>
+</file>
+
+<file path=ppt/slides/slide37.xml><?xml version="1.0" encoding="utf-8"?>
+<p:sld xmlns:a="http://schemas.openxmlformats.org/drawingml/2006/main" xmlns:r="http://schemas.openxmlformats.org/officeDocument/2006/relationships" xmlns:p="http://schemas.openxmlformats.org/presentationml/2006/main">
+  <p:cSld>
+    <p:spTree>
+      <p:nvGrpSpPr>
+        <p:cNvPr id="1" name=""/>
+        <p:cNvGrpSpPr/>
+        <p:nvPr/>
+      </p:nvGrpSpPr>
+      <p:grpSpPr>
+        <a:xfrm>
+          <a:off x="0" y="0"/>
+          <a:ext cx="0" cy="0"/>
+          <a:chOff x="0" y="0"/>
+          <a:chExt cx="0" cy="0"/>
+        </a:xfrm>
+      </p:grpSpPr>
+      <p:sp>
+        <p:nvSpPr>
+          <p:cNvPr id="2" name="Naslov 1">
+            <a:extLst>
+              <a:ext uri="{FF2B5EF4-FFF2-40B4-BE49-F238E27FC236}">
+                <a16:creationId xmlns:a16="http://schemas.microsoft.com/office/drawing/2014/main" id="{10206337-07B1-2A15-FDD6-89679BCFE25E}"/>
+              </a:ext>
+            </a:extLst>
+          </p:cNvPr>
+          <p:cNvSpPr>
+            <a:spLocks noGrp="1"/>
+          </p:cNvSpPr>
+          <p:nvPr>
+            <p:ph type="title"/>
+          </p:nvPr>
+        </p:nvSpPr>
+        <p:spPr/>
+        <p:txBody>
+          <a:bodyPr/>
+          <a:lstStyle/>
+          <a:p>
+            <a:r>
+              <a:rPr lang="en-US" dirty="0" err="1"/>
+              <a:t>Pitanja</a:t>
+            </a:r>
+            <a:endParaRPr lang="en-US" dirty="0"/>
+          </a:p>
+        </p:txBody>
+      </p:sp>
+      <p:sp>
+        <p:nvSpPr>
+          <p:cNvPr id="3" name="Rezervirano mjesto teksta 2">
+            <a:extLst>
+              <a:ext uri="{FF2B5EF4-FFF2-40B4-BE49-F238E27FC236}">
+                <a16:creationId xmlns:a16="http://schemas.microsoft.com/office/drawing/2014/main" id="{EF0567A2-B162-762F-998E-CE2AFE1CB27E}"/>
+              </a:ext>
+            </a:extLst>
+          </p:cNvPr>
+          <p:cNvSpPr>
+            <a:spLocks noGrp="1"/>
+          </p:cNvSpPr>
+          <p:nvPr>
+            <p:ph type="body" idx="1"/>
+          </p:nvPr>
+        </p:nvSpPr>
+        <p:spPr/>
+        <p:txBody>
+          <a:bodyPr/>
+          <a:lstStyle/>
+          <a:p>
+            <a:r>
+              <a:rPr lang="en-US" dirty="0"/>
+              <a:t>3. </a:t>
+            </a:r>
+            <a:r>
+              <a:rPr lang="en-US" dirty="0" err="1"/>
+              <a:t>Navedite</a:t>
+            </a:r>
+            <a:r>
+              <a:rPr lang="en-US" dirty="0"/>
+              <a:t> </a:t>
+            </a:r>
+            <a:r>
+              <a:rPr lang="en-US" dirty="0" err="1"/>
+              <a:t>vrste</a:t>
+            </a:r>
+            <a:r>
+              <a:rPr lang="en-US" dirty="0"/>
+              <a:t> </a:t>
+            </a:r>
+            <a:r>
+              <a:rPr lang="en-US" dirty="0" err="1"/>
+              <a:t>hlađenja</a:t>
+            </a:r>
+            <a:r>
+              <a:rPr lang="en-US" dirty="0"/>
+              <a:t> </a:t>
+            </a:r>
+            <a:r>
+              <a:rPr lang="en-US" dirty="0" err="1"/>
+              <a:t>podatkovnog</a:t>
+            </a:r>
+            <a:r>
+              <a:rPr lang="en-US" dirty="0"/>
+              <a:t> centra.</a:t>
+            </a:r>
+          </a:p>
+        </p:txBody>
+      </p:sp>
+    </p:spTree>
+    <p:extLst>
+      <p:ext uri="{BB962C8B-B14F-4D97-AF65-F5344CB8AC3E}">
+        <p14:creationId xmlns:p14="http://schemas.microsoft.com/office/powerpoint/2010/main" val="3275397351"/>
+      </p:ext>
+    </p:extLst>
+  </p:cSld>
+  <p:clrMapOvr>
+    <a:masterClrMapping/>
+  </p:clrMapOvr>
+</p:sld>
+</file>
+
+<file path=ppt/slides/slide38.xml><?xml version="1.0" encoding="utf-8"?>
+<p:sld xmlns:a="http://schemas.openxmlformats.org/drawingml/2006/main" xmlns:r="http://schemas.openxmlformats.org/officeDocument/2006/relationships" xmlns:p="http://schemas.openxmlformats.org/presentationml/2006/main">
+  <p:cSld>
+    <p:spTree>
+      <p:nvGrpSpPr>
+        <p:cNvPr id="1" name=""/>
+        <p:cNvGrpSpPr/>
+        <p:nvPr/>
+      </p:nvGrpSpPr>
+      <p:grpSpPr>
+        <a:xfrm>
+          <a:off x="0" y="0"/>
+          <a:ext cx="0" cy="0"/>
+          <a:chOff x="0" y="0"/>
+          <a:chExt cx="0" cy="0"/>
+        </a:xfrm>
+      </p:grpSpPr>
+      <p:sp>
+        <p:nvSpPr>
+          <p:cNvPr id="2" name="Naslov 1">
+            <a:extLst>
+              <a:ext uri="{FF2B5EF4-FFF2-40B4-BE49-F238E27FC236}">
+                <a16:creationId xmlns:a16="http://schemas.microsoft.com/office/drawing/2014/main" id="{C06B04FD-1F7B-5F6C-82FD-5AA332DB5795}"/>
+              </a:ext>
+            </a:extLst>
+          </p:cNvPr>
+          <p:cNvSpPr>
+            <a:spLocks noGrp="1"/>
+          </p:cNvSpPr>
+          <p:nvPr>
+            <p:ph type="title"/>
+          </p:nvPr>
+        </p:nvSpPr>
+        <p:spPr/>
+        <p:txBody>
+          <a:bodyPr/>
+          <a:lstStyle/>
+          <a:p>
+            <a:r>
+              <a:rPr lang="en-US" dirty="0" err="1"/>
+              <a:t>Pitanja</a:t>
+            </a:r>
+            <a:endParaRPr lang="en-US" dirty="0"/>
+          </a:p>
+        </p:txBody>
+      </p:sp>
+      <p:sp>
+        <p:nvSpPr>
+          <p:cNvPr id="3" name="Rezervirano mjesto teksta 2">
+            <a:extLst>
+              <a:ext uri="{FF2B5EF4-FFF2-40B4-BE49-F238E27FC236}">
+                <a16:creationId xmlns:a16="http://schemas.microsoft.com/office/drawing/2014/main" id="{6EDBBB94-D73C-535A-1BB2-695BE97D093D}"/>
+              </a:ext>
+            </a:extLst>
+          </p:cNvPr>
+          <p:cNvSpPr>
+            <a:spLocks noGrp="1"/>
+          </p:cNvSpPr>
+          <p:nvPr>
+            <p:ph type="body" idx="1"/>
+          </p:nvPr>
+        </p:nvSpPr>
+        <p:spPr/>
+        <p:txBody>
+          <a:bodyPr/>
+          <a:lstStyle/>
+          <a:p>
+            <a:pPr marL="85725" indent="0">
+              <a:buNone/>
+            </a:pPr>
+            <a:r>
+              <a:rPr lang="en-US" dirty="0"/>
+              <a:t>3.</a:t>
+            </a:r>
+          </a:p>
+          <a:p>
+            <a:pPr marL="685800" lvl="1" indent="-228600" algn="l" rtl="0">
+              <a:lnSpc>
+                <a:spcPct val="120000"/>
+              </a:lnSpc>
+              <a:spcBef>
+                <a:spcPts val="500"/>
+              </a:spcBef>
+              <a:spcAft>
+                <a:spcPts val="0"/>
+              </a:spcAft>
+              <a:buClr>
+                <a:schemeClr val="lt1"/>
+              </a:buClr>
+              <a:buSzPts val="2250"/>
+              <a:buChar char="•"/>
+            </a:pPr>
+            <a:r>
+              <a:rPr lang="hr-HR" sz="2400" dirty="0" err="1">
+                <a:ea typeface="Arial"/>
+                <a:cs typeface="Arial"/>
+                <a:sym typeface="Arial"/>
+              </a:rPr>
+              <a:t>Ekonomizator</a:t>
+            </a:r>
+            <a:r>
+              <a:rPr lang="hr-HR" sz="2400" dirty="0">
+                <a:ea typeface="Arial"/>
+                <a:cs typeface="Arial"/>
+                <a:sym typeface="Arial"/>
+              </a:rPr>
+              <a:t> zraka </a:t>
+            </a:r>
+          </a:p>
+          <a:p>
+            <a:pPr marL="685800" lvl="1" indent="-228600" algn="l" rtl="0">
+              <a:lnSpc>
+                <a:spcPct val="120000"/>
+              </a:lnSpc>
+              <a:spcBef>
+                <a:spcPts val="500"/>
+              </a:spcBef>
+              <a:spcAft>
+                <a:spcPts val="0"/>
+              </a:spcAft>
+              <a:buClr>
+                <a:schemeClr val="lt1"/>
+              </a:buClr>
+              <a:buSzPts val="2250"/>
+              <a:buChar char="•"/>
+            </a:pPr>
+            <a:r>
+              <a:rPr lang="hr-HR" sz="2400" dirty="0">
+                <a:ea typeface="Arial"/>
+                <a:cs typeface="Arial"/>
+                <a:sym typeface="Arial"/>
+              </a:rPr>
+              <a:t>Likvidno hlađenje</a:t>
+            </a:r>
+            <a:endParaRPr lang="hr-HR" sz="2400" dirty="0"/>
+          </a:p>
+          <a:p>
+            <a:pPr marL="685800" lvl="1" indent="-228600" algn="l" rtl="0">
+              <a:lnSpc>
+                <a:spcPct val="120000"/>
+              </a:lnSpc>
+              <a:spcBef>
+                <a:spcPts val="500"/>
+              </a:spcBef>
+              <a:spcAft>
+                <a:spcPts val="0"/>
+              </a:spcAft>
+              <a:buClr>
+                <a:schemeClr val="lt1"/>
+              </a:buClr>
+              <a:buSzPts val="2250"/>
+              <a:buChar char="•"/>
+            </a:pPr>
+            <a:r>
+              <a:rPr lang="hr-HR" sz="2400" dirty="0">
+                <a:ea typeface="Arial"/>
+                <a:cs typeface="Arial"/>
+                <a:sym typeface="Arial"/>
+              </a:rPr>
+              <a:t>Zadržavanje toplo/hladnog prolaza</a:t>
+            </a:r>
+            <a:endParaRPr lang="hr-HR" sz="2400" dirty="0"/>
+          </a:p>
+          <a:p>
+            <a:pPr marL="685800" lvl="1" indent="-228600" algn="l" rtl="0">
+              <a:lnSpc>
+                <a:spcPct val="120000"/>
+              </a:lnSpc>
+              <a:spcBef>
+                <a:spcPts val="500"/>
+              </a:spcBef>
+              <a:spcAft>
+                <a:spcPts val="0"/>
+              </a:spcAft>
+              <a:buClr>
+                <a:schemeClr val="lt1"/>
+              </a:buClr>
+              <a:buSzPts val="2250"/>
+              <a:buChar char="•"/>
+            </a:pPr>
+            <a:r>
+              <a:rPr lang="hr-HR" sz="2400" dirty="0">
+                <a:ea typeface="Arial"/>
+                <a:cs typeface="Arial"/>
+                <a:sym typeface="Arial"/>
+              </a:rPr>
+              <a:t>Ponovna upotreba topline</a:t>
+            </a:r>
+            <a:endParaRPr lang="hr-HR" sz="2400" dirty="0"/>
+          </a:p>
+          <a:p>
+            <a:pPr marL="85725" indent="0">
+              <a:buNone/>
+            </a:pPr>
+            <a:endParaRPr lang="en-US" dirty="0"/>
+          </a:p>
+        </p:txBody>
+      </p:sp>
+    </p:spTree>
+    <p:extLst>
+      <p:ext uri="{BB962C8B-B14F-4D97-AF65-F5344CB8AC3E}">
+        <p14:creationId xmlns:p14="http://schemas.microsoft.com/office/powerpoint/2010/main" val="3933107104"/>
+      </p:ext>
+    </p:extLst>
   </p:cSld>
   <p:clrMapOvr>
     <a:masterClrMapping/>

--- a/Green coding ppt (2).pptx
+++ b/Green coding ppt (2).pptx
@@ -5,7 +5,7 @@
     <p:sldMasterId id="2147483665" r:id="rId1"/>
   </p:sldMasterIdLst>
   <p:notesMasterIdLst>
-    <p:notesMasterId r:id="rId40"/>
+    <p:notesMasterId r:id="rId39"/>
   </p:notesMasterIdLst>
   <p:sldIdLst>
     <p:sldId id="256" r:id="rId2"/>
@@ -28,24 +28,23 @@
     <p:sldId id="275" r:id="rId19"/>
     <p:sldId id="276" r:id="rId20"/>
     <p:sldId id="277" r:id="rId21"/>
-    <p:sldId id="278" r:id="rId22"/>
-    <p:sldId id="279" r:id="rId23"/>
-    <p:sldId id="280" r:id="rId24"/>
-    <p:sldId id="281" r:id="rId25"/>
-    <p:sldId id="282" r:id="rId26"/>
-    <p:sldId id="283" r:id="rId27"/>
-    <p:sldId id="284" r:id="rId28"/>
-    <p:sldId id="285" r:id="rId29"/>
-    <p:sldId id="286" r:id="rId30"/>
-    <p:sldId id="287" r:id="rId31"/>
-    <p:sldId id="288" r:id="rId32"/>
-    <p:sldId id="290" r:id="rId33"/>
-    <p:sldId id="289" r:id="rId34"/>
-    <p:sldId id="291" r:id="rId35"/>
-    <p:sldId id="292" r:id="rId36"/>
-    <p:sldId id="293" r:id="rId37"/>
-    <p:sldId id="294" r:id="rId38"/>
-    <p:sldId id="295" r:id="rId39"/>
+    <p:sldId id="279" r:id="rId22"/>
+    <p:sldId id="280" r:id="rId23"/>
+    <p:sldId id="281" r:id="rId24"/>
+    <p:sldId id="282" r:id="rId25"/>
+    <p:sldId id="283" r:id="rId26"/>
+    <p:sldId id="284" r:id="rId27"/>
+    <p:sldId id="285" r:id="rId28"/>
+    <p:sldId id="286" r:id="rId29"/>
+    <p:sldId id="287" r:id="rId30"/>
+    <p:sldId id="288" r:id="rId31"/>
+    <p:sldId id="290" r:id="rId32"/>
+    <p:sldId id="289" r:id="rId33"/>
+    <p:sldId id="291" r:id="rId34"/>
+    <p:sldId id="292" r:id="rId35"/>
+    <p:sldId id="293" r:id="rId36"/>
+    <p:sldId id="294" r:id="rId37"/>
+    <p:sldId id="295" r:id="rId38"/>
   </p:sldIdLst>
   <p:sldSz cx="12192000" cy="6858000"/>
   <p:notesSz cx="6858000" cy="9144000"/>
@@ -2960,110 +2959,6 @@
   <p:cSld>
     <p:spTree>
       <p:nvGrpSpPr>
-        <p:cNvPr id="1" name="Shape 468"/>
-        <p:cNvGrpSpPr/>
-        <p:nvPr/>
-      </p:nvGrpSpPr>
-      <p:grpSpPr>
-        <a:xfrm>
-          <a:off x="0" y="0"/>
-          <a:ext cx="0" cy="0"/>
-          <a:chOff x="0" y="0"/>
-          <a:chExt cx="0" cy="0"/>
-        </a:xfrm>
-      </p:grpSpPr>
-      <p:sp>
-        <p:nvSpPr>
-          <p:cNvPr id="469" name="Google Shape;469;p23:notes"/>
-          <p:cNvSpPr txBox="1">
-            <a:spLocks noGrp="1"/>
-          </p:cNvSpPr>
-          <p:nvPr>
-            <p:ph type="body" idx="1"/>
-          </p:nvPr>
-        </p:nvSpPr>
-        <p:spPr>
-          <a:xfrm>
-            <a:off x="685800" y="4400550"/>
-            <a:ext cx="5486400" cy="3600450"/>
-          </a:xfrm>
-          <a:prstGeom prst="rect">
-            <a:avLst/>
-          </a:prstGeom>
-        </p:spPr>
-        <p:txBody>
-          <a:bodyPr spcFirstLastPara="1" wrap="square" lIns="91425" tIns="45700" rIns="91425" bIns="45700" anchor="t" anchorCtr="0">
-            <a:noAutofit/>
-          </a:bodyPr>
-          <a:lstStyle/>
-          <a:p>
-            <a:pPr marL="0" lvl="0" indent="0" algn="l" rtl="0">
-              <a:spcBef>
-                <a:spcPts val="0"/>
-              </a:spcBef>
-              <a:spcAft>
-                <a:spcPts val="0"/>
-              </a:spcAft>
-              <a:buNone/>
-            </a:pPr>
-            <a:endParaRPr/>
-          </a:p>
-        </p:txBody>
-      </p:sp>
-      <p:sp>
-        <p:nvSpPr>
-          <p:cNvPr id="470" name="Google Shape;470;p23:notes"/>
-          <p:cNvSpPr>
-            <a:spLocks noGrp="1" noRot="1" noChangeAspect="1"/>
-          </p:cNvSpPr>
-          <p:nvPr>
-            <p:ph type="sldImg" idx="2"/>
-          </p:nvPr>
-        </p:nvSpPr>
-        <p:spPr>
-          <a:xfrm>
-            <a:off x="685800" y="1143000"/>
-            <a:ext cx="5486400" cy="3086100"/>
-          </a:xfrm>
-          <a:custGeom>
-            <a:avLst/>
-            <a:gdLst/>
-            <a:ahLst/>
-            <a:cxnLst/>
-            <a:rect l="l" t="t" r="r" b="b"/>
-            <a:pathLst>
-              <a:path w="120000" h="120000" extrusionOk="0">
-                <a:moveTo>
-                  <a:pt x="0" y="0"/>
-                </a:moveTo>
-                <a:lnTo>
-                  <a:pt x="120000" y="0"/>
-                </a:lnTo>
-                <a:lnTo>
-                  <a:pt x="120000" y="120000"/>
-                </a:lnTo>
-                <a:lnTo>
-                  <a:pt x="0" y="120000"/>
-                </a:lnTo>
-                <a:close/>
-              </a:path>
-            </a:pathLst>
-          </a:custGeom>
-        </p:spPr>
-      </p:sp>
-    </p:spTree>
-  </p:cSld>
-  <p:clrMapOvr>
-    <a:masterClrMapping/>
-  </p:clrMapOvr>
-</p:notes>
-</file>
-
-<file path=ppt/notesSlides/notesSlide22.xml><?xml version="1.0" encoding="utf-8"?>
-<p:notes xmlns:a="http://schemas.openxmlformats.org/drawingml/2006/main" xmlns:r="http://schemas.openxmlformats.org/officeDocument/2006/relationships" xmlns:p="http://schemas.openxmlformats.org/presentationml/2006/main" showMasterSp="0" showMasterPhAnim="0">
-  <p:cSld>
-    <p:spTree>
-      <p:nvGrpSpPr>
         <p:cNvPr id="1" name="Shape 475"/>
         <p:cNvGrpSpPr/>
         <p:nvPr/>
@@ -3163,7 +3058,7 @@
 </p:notes>
 </file>
 
-<file path=ppt/notesSlides/notesSlide23.xml><?xml version="1.0" encoding="utf-8"?>
+<file path=ppt/notesSlides/notesSlide22.xml><?xml version="1.0" encoding="utf-8"?>
 <p:notes xmlns:a="http://schemas.openxmlformats.org/drawingml/2006/main" xmlns:r="http://schemas.openxmlformats.org/officeDocument/2006/relationships" xmlns:p="http://schemas.openxmlformats.org/presentationml/2006/main" showMasterSp="0" showMasterPhAnim="0">
   <p:cSld>
     <p:spTree>
@@ -3267,7 +3162,7 @@
 </p:notes>
 </file>
 
-<file path=ppt/notesSlides/notesSlide24.xml><?xml version="1.0" encoding="utf-8"?>
+<file path=ppt/notesSlides/notesSlide23.xml><?xml version="1.0" encoding="utf-8"?>
 <p:notes xmlns:a="http://schemas.openxmlformats.org/drawingml/2006/main" xmlns:r="http://schemas.openxmlformats.org/officeDocument/2006/relationships" xmlns:p="http://schemas.openxmlformats.org/presentationml/2006/main" showMasterSp="0" showMasterPhAnim="0">
   <p:cSld>
     <p:spTree>
@@ -3371,7 +3266,7 @@
 </p:notes>
 </file>
 
-<file path=ppt/notesSlides/notesSlide25.xml><?xml version="1.0" encoding="utf-8"?>
+<file path=ppt/notesSlides/notesSlide24.xml><?xml version="1.0" encoding="utf-8"?>
 <p:notes xmlns:a="http://schemas.openxmlformats.org/drawingml/2006/main" xmlns:r="http://schemas.openxmlformats.org/officeDocument/2006/relationships" xmlns:p="http://schemas.openxmlformats.org/presentationml/2006/main" showMasterSp="0" showMasterPhAnim="0">
   <p:cSld>
     <p:spTree>
@@ -3475,7 +3370,7 @@
 </p:notes>
 </file>
 
-<file path=ppt/notesSlides/notesSlide26.xml><?xml version="1.0" encoding="utf-8"?>
+<file path=ppt/notesSlides/notesSlide25.xml><?xml version="1.0" encoding="utf-8"?>
 <p:notes xmlns:a="http://schemas.openxmlformats.org/drawingml/2006/main" xmlns:r="http://schemas.openxmlformats.org/officeDocument/2006/relationships" xmlns:p="http://schemas.openxmlformats.org/presentationml/2006/main" showMasterSp="0" showMasterPhAnim="0">
   <p:cSld>
     <p:spTree>
@@ -3579,7 +3474,7 @@
 </p:notes>
 </file>
 
-<file path=ppt/notesSlides/notesSlide27.xml><?xml version="1.0" encoding="utf-8"?>
+<file path=ppt/notesSlides/notesSlide26.xml><?xml version="1.0" encoding="utf-8"?>
 <p:notes xmlns:a="http://schemas.openxmlformats.org/drawingml/2006/main" xmlns:r="http://schemas.openxmlformats.org/officeDocument/2006/relationships" xmlns:p="http://schemas.openxmlformats.org/presentationml/2006/main" showMasterSp="0" showMasterPhAnim="0">
   <p:cSld>
     <p:spTree>
@@ -3683,7 +3578,7 @@
 </p:notes>
 </file>
 
-<file path=ppt/notesSlides/notesSlide28.xml><?xml version="1.0" encoding="utf-8"?>
+<file path=ppt/notesSlides/notesSlide27.xml><?xml version="1.0" encoding="utf-8"?>
 <p:notes xmlns:a="http://schemas.openxmlformats.org/drawingml/2006/main" xmlns:r="http://schemas.openxmlformats.org/officeDocument/2006/relationships" xmlns:p="http://schemas.openxmlformats.org/presentationml/2006/main" showMasterSp="0" showMasterPhAnim="0">
   <p:cSld>
     <p:spTree>
@@ -3787,7 +3682,7 @@
 </p:notes>
 </file>
 
-<file path=ppt/notesSlides/notesSlide29.xml><?xml version="1.0" encoding="utf-8"?>
+<file path=ppt/notesSlides/notesSlide28.xml><?xml version="1.0" encoding="utf-8"?>
 <p:notes xmlns:a="http://schemas.openxmlformats.org/drawingml/2006/main" xmlns:r="http://schemas.openxmlformats.org/officeDocument/2006/relationships" xmlns:p="http://schemas.openxmlformats.org/presentationml/2006/main" showMasterSp="0" showMasterPhAnim="0">
   <p:cSld>
     <p:spTree>
@@ -3891,111 +3786,7 @@
 </p:notes>
 </file>
 
-<file path=ppt/notesSlides/notesSlide3.xml><?xml version="1.0" encoding="utf-8"?>
-<p:notes xmlns:a="http://schemas.openxmlformats.org/drawingml/2006/main" xmlns:r="http://schemas.openxmlformats.org/officeDocument/2006/relationships" xmlns:p="http://schemas.openxmlformats.org/presentationml/2006/main" showMasterSp="0" showMasterPhAnim="0">
-  <p:cSld>
-    <p:spTree>
-      <p:nvGrpSpPr>
-        <p:cNvPr id="1" name="Shape 284"/>
-        <p:cNvGrpSpPr/>
-        <p:nvPr/>
-      </p:nvGrpSpPr>
-      <p:grpSpPr>
-        <a:xfrm>
-          <a:off x="0" y="0"/>
-          <a:ext cx="0" cy="0"/>
-          <a:chOff x="0" y="0"/>
-          <a:chExt cx="0" cy="0"/>
-        </a:xfrm>
-      </p:grpSpPr>
-      <p:sp>
-        <p:nvSpPr>
-          <p:cNvPr id="285" name="Google Shape;285;p4:notes"/>
-          <p:cNvSpPr txBox="1">
-            <a:spLocks noGrp="1"/>
-          </p:cNvSpPr>
-          <p:nvPr>
-            <p:ph type="body" idx="1"/>
-          </p:nvPr>
-        </p:nvSpPr>
-        <p:spPr>
-          <a:xfrm>
-            <a:off x="685800" y="4400550"/>
-            <a:ext cx="5486400" cy="3600450"/>
-          </a:xfrm>
-          <a:prstGeom prst="rect">
-            <a:avLst/>
-          </a:prstGeom>
-        </p:spPr>
-        <p:txBody>
-          <a:bodyPr spcFirstLastPara="1" wrap="square" lIns="91425" tIns="45700" rIns="91425" bIns="45700" anchor="t" anchorCtr="0">
-            <a:noAutofit/>
-          </a:bodyPr>
-          <a:lstStyle/>
-          <a:p>
-            <a:pPr marL="0" lvl="0" indent="0" algn="l" rtl="0">
-              <a:spcBef>
-                <a:spcPts val="0"/>
-              </a:spcBef>
-              <a:spcAft>
-                <a:spcPts val="0"/>
-              </a:spcAft>
-              <a:buNone/>
-            </a:pPr>
-            <a:endParaRPr/>
-          </a:p>
-        </p:txBody>
-      </p:sp>
-      <p:sp>
-        <p:nvSpPr>
-          <p:cNvPr id="286" name="Google Shape;286;p4:notes"/>
-          <p:cNvSpPr>
-            <a:spLocks noGrp="1" noRot="1" noChangeAspect="1"/>
-          </p:cNvSpPr>
-          <p:nvPr>
-            <p:ph type="sldImg" idx="2"/>
-          </p:nvPr>
-        </p:nvSpPr>
-        <p:spPr>
-          <a:xfrm>
-            <a:off x="685800" y="1143000"/>
-            <a:ext cx="5486400" cy="3086100"/>
-          </a:xfrm>
-          <a:custGeom>
-            <a:avLst/>
-            <a:gdLst/>
-            <a:ahLst/>
-            <a:cxnLst/>
-            <a:rect l="l" t="t" r="r" b="b"/>
-            <a:pathLst>
-              <a:path w="120000" h="120000" extrusionOk="0">
-                <a:moveTo>
-                  <a:pt x="0" y="0"/>
-                </a:moveTo>
-                <a:lnTo>
-                  <a:pt x="120000" y="0"/>
-                </a:lnTo>
-                <a:lnTo>
-                  <a:pt x="120000" y="120000"/>
-                </a:lnTo>
-                <a:lnTo>
-                  <a:pt x="0" y="120000"/>
-                </a:lnTo>
-                <a:close/>
-              </a:path>
-            </a:pathLst>
-          </a:custGeom>
-        </p:spPr>
-      </p:sp>
-    </p:spTree>
-  </p:cSld>
-  <p:clrMapOvr>
-    <a:masterClrMapping/>
-  </p:clrMapOvr>
-</p:notes>
-</file>
-
-<file path=ppt/notesSlides/notesSlide30.xml><?xml version="1.0" encoding="utf-8"?>
+<file path=ppt/notesSlides/notesSlide29.xml><?xml version="1.0" encoding="utf-8"?>
 <p:notes xmlns:a="http://schemas.openxmlformats.org/drawingml/2006/main" xmlns:r="http://schemas.openxmlformats.org/officeDocument/2006/relationships" xmlns:p="http://schemas.openxmlformats.org/presentationml/2006/main" showMasterSp="0" showMasterPhAnim="0">
   <p:cSld>
     <p:spTree>
@@ -4131,7 +3922,7 @@
             </a:pPr>
             <a:fld id="{00000000-1234-1234-1234-123412341234}" type="slidenum">
               <a:rPr lang="hr-HR"/>
-              <a:t>30</a:t>
+              <a:t>29</a:t>
             </a:fld>
             <a:endParaRPr/>
           </a:p>
@@ -4145,7 +3936,111 @@
 </p:notes>
 </file>
 
-<file path=ppt/notesSlides/notesSlide31.xml><?xml version="1.0" encoding="utf-8"?>
+<file path=ppt/notesSlides/notesSlide3.xml><?xml version="1.0" encoding="utf-8"?>
+<p:notes xmlns:a="http://schemas.openxmlformats.org/drawingml/2006/main" xmlns:r="http://schemas.openxmlformats.org/officeDocument/2006/relationships" xmlns:p="http://schemas.openxmlformats.org/presentationml/2006/main" showMasterSp="0" showMasterPhAnim="0">
+  <p:cSld>
+    <p:spTree>
+      <p:nvGrpSpPr>
+        <p:cNvPr id="1" name="Shape 284"/>
+        <p:cNvGrpSpPr/>
+        <p:nvPr/>
+      </p:nvGrpSpPr>
+      <p:grpSpPr>
+        <a:xfrm>
+          <a:off x="0" y="0"/>
+          <a:ext cx="0" cy="0"/>
+          <a:chOff x="0" y="0"/>
+          <a:chExt cx="0" cy="0"/>
+        </a:xfrm>
+      </p:grpSpPr>
+      <p:sp>
+        <p:nvSpPr>
+          <p:cNvPr id="285" name="Google Shape;285;p4:notes"/>
+          <p:cNvSpPr txBox="1">
+            <a:spLocks noGrp="1"/>
+          </p:cNvSpPr>
+          <p:nvPr>
+            <p:ph type="body" idx="1"/>
+          </p:nvPr>
+        </p:nvSpPr>
+        <p:spPr>
+          <a:xfrm>
+            <a:off x="685800" y="4400550"/>
+            <a:ext cx="5486400" cy="3600450"/>
+          </a:xfrm>
+          <a:prstGeom prst="rect">
+            <a:avLst/>
+          </a:prstGeom>
+        </p:spPr>
+        <p:txBody>
+          <a:bodyPr spcFirstLastPara="1" wrap="square" lIns="91425" tIns="45700" rIns="91425" bIns="45700" anchor="t" anchorCtr="0">
+            <a:noAutofit/>
+          </a:bodyPr>
+          <a:lstStyle/>
+          <a:p>
+            <a:pPr marL="0" lvl="0" indent="0" algn="l" rtl="0">
+              <a:spcBef>
+                <a:spcPts val="0"/>
+              </a:spcBef>
+              <a:spcAft>
+                <a:spcPts val="0"/>
+              </a:spcAft>
+              <a:buNone/>
+            </a:pPr>
+            <a:endParaRPr/>
+          </a:p>
+        </p:txBody>
+      </p:sp>
+      <p:sp>
+        <p:nvSpPr>
+          <p:cNvPr id="286" name="Google Shape;286;p4:notes"/>
+          <p:cNvSpPr>
+            <a:spLocks noGrp="1" noRot="1" noChangeAspect="1"/>
+          </p:cNvSpPr>
+          <p:nvPr>
+            <p:ph type="sldImg" idx="2"/>
+          </p:nvPr>
+        </p:nvSpPr>
+        <p:spPr>
+          <a:xfrm>
+            <a:off x="685800" y="1143000"/>
+            <a:ext cx="5486400" cy="3086100"/>
+          </a:xfrm>
+          <a:custGeom>
+            <a:avLst/>
+            <a:gdLst/>
+            <a:ahLst/>
+            <a:cxnLst/>
+            <a:rect l="l" t="t" r="r" b="b"/>
+            <a:pathLst>
+              <a:path w="120000" h="120000" extrusionOk="0">
+                <a:moveTo>
+                  <a:pt x="0" y="0"/>
+                </a:moveTo>
+                <a:lnTo>
+                  <a:pt x="120000" y="0"/>
+                </a:lnTo>
+                <a:lnTo>
+                  <a:pt x="120000" y="120000"/>
+                </a:lnTo>
+                <a:lnTo>
+                  <a:pt x="0" y="120000"/>
+                </a:lnTo>
+                <a:close/>
+              </a:path>
+            </a:pathLst>
+          </a:custGeom>
+        </p:spPr>
+      </p:sp>
+    </p:spTree>
+  </p:cSld>
+  <p:clrMapOvr>
+    <a:masterClrMapping/>
+  </p:clrMapOvr>
+</p:notes>
+</file>
+
+<file path=ppt/notesSlides/notesSlide30.xml><?xml version="1.0" encoding="utf-8"?>
 <p:notes xmlns:a="http://schemas.openxmlformats.org/drawingml/2006/main" xmlns:r="http://schemas.openxmlformats.org/officeDocument/2006/relationships" xmlns:p="http://schemas.openxmlformats.org/presentationml/2006/main" showMasterSp="0" showMasterPhAnim="0">
   <p:cSld>
     <p:spTree>
@@ -4281,7 +4176,7 @@
             </a:pPr>
             <a:fld id="{00000000-1234-1234-1234-123412341234}" type="slidenum">
               <a:rPr lang="hr-HR"/>
-              <a:t>31</a:t>
+              <a:t>30</a:t>
             </a:fld>
             <a:endParaRPr/>
           </a:p>
@@ -4295,7 +4190,7 @@
 </p:notes>
 </file>
 
-<file path=ppt/notesSlides/notesSlide32.xml><?xml version="1.0" encoding="utf-8"?>
+<file path=ppt/notesSlides/notesSlide31.xml><?xml version="1.0" encoding="utf-8"?>
 <p:notes xmlns:a="http://schemas.openxmlformats.org/drawingml/2006/main" xmlns:r="http://schemas.openxmlformats.org/officeDocument/2006/relationships" xmlns:p="http://schemas.openxmlformats.org/presentationml/2006/main" showMasterSp="0" showMasterPhAnim="0">
   <p:cSld>
     <p:spTree>
@@ -31410,6 +31305,126 @@
           </a:p>
         </p:txBody>
       </p:sp>
+      <p:sp>
+        <p:nvSpPr>
+          <p:cNvPr id="2" name="AutoShape 2">
+            <a:extLst>
+              <a:ext uri="{FF2B5EF4-FFF2-40B4-BE49-F238E27FC236}">
+                <a16:creationId xmlns:a16="http://schemas.microsoft.com/office/drawing/2014/main" id="{06424856-FE6C-B738-523E-88AF99044194}"/>
+              </a:ext>
+            </a:extLst>
+          </p:cNvPr>
+          <p:cNvSpPr>
+            <a:spLocks noChangeAspect="1" noChangeArrowheads="1"/>
+          </p:cNvSpPr>
+          <p:nvPr/>
+        </p:nvSpPr>
+        <p:spPr bwMode="auto">
+          <a:xfrm>
+            <a:off x="5943600" y="3276600"/>
+            <a:ext cx="1529542" cy="1529542"/>
+          </a:xfrm>
+          <a:prstGeom prst="rect">
+            <a:avLst/>
+          </a:prstGeom>
+          <a:noFill/>
+          <a:extLst>
+            <a:ext uri="{909E8E84-426E-40DD-AFC4-6F175D3DCCD1}">
+              <a14:hiddenFill xmlns:a14="http://schemas.microsoft.com/office/drawing/2010/main">
+                <a:solidFill>
+                  <a:srgbClr val="FFFFFF"/>
+                </a:solidFill>
+              </a14:hiddenFill>
+            </a:ext>
+          </a:extLst>
+        </p:spPr>
+        <p:txBody>
+          <a:bodyPr vert="horz" wrap="square" lIns="91440" tIns="45720" rIns="91440" bIns="45720" numCol="1" anchor="t" anchorCtr="0" compatLnSpc="1">
+            <a:prstTxWarp prst="textNoShape">
+              <a:avLst/>
+            </a:prstTxWarp>
+          </a:bodyPr>
+          <a:lstStyle/>
+          <a:p>
+            <a:endParaRPr lang="en-US"/>
+          </a:p>
+        </p:txBody>
+      </p:sp>
+      <p:sp>
+        <p:nvSpPr>
+          <p:cNvPr id="3" name="AutoShape 4">
+            <a:extLst>
+              <a:ext uri="{FF2B5EF4-FFF2-40B4-BE49-F238E27FC236}">
+                <a16:creationId xmlns:a16="http://schemas.microsoft.com/office/drawing/2014/main" id="{A84006F6-04DC-A1EE-8A25-3DEEC887DF25}"/>
+              </a:ext>
+            </a:extLst>
+          </p:cNvPr>
+          <p:cNvSpPr>
+            <a:spLocks noChangeAspect="1" noChangeArrowheads="1"/>
+          </p:cNvSpPr>
+          <p:nvPr/>
+        </p:nvSpPr>
+        <p:spPr bwMode="auto">
+          <a:xfrm>
+            <a:off x="5943600" y="3276600"/>
+            <a:ext cx="304800" cy="304800"/>
+          </a:xfrm>
+          <a:prstGeom prst="rect">
+            <a:avLst/>
+          </a:prstGeom>
+          <a:noFill/>
+          <a:extLst>
+            <a:ext uri="{909E8E84-426E-40DD-AFC4-6F175D3DCCD1}">
+              <a14:hiddenFill xmlns:a14="http://schemas.microsoft.com/office/drawing/2010/main">
+                <a:solidFill>
+                  <a:srgbClr val="FFFFFF"/>
+                </a:solidFill>
+              </a14:hiddenFill>
+            </a:ext>
+          </a:extLst>
+        </p:spPr>
+        <p:txBody>
+          <a:bodyPr vert="horz" wrap="square" lIns="91440" tIns="45720" rIns="91440" bIns="45720" numCol="1" anchor="t" anchorCtr="0" compatLnSpc="1">
+            <a:prstTxWarp prst="textNoShape">
+              <a:avLst/>
+            </a:prstTxWarp>
+          </a:bodyPr>
+          <a:lstStyle/>
+          <a:p>
+            <a:endParaRPr lang="en-US"/>
+          </a:p>
+        </p:txBody>
+      </p:sp>
+      <p:pic>
+        <p:nvPicPr>
+          <p:cNvPr id="5" name="Slika 4" descr="Slika na kojoj se prikazuje tekst, snimka zaslona, Font, crta&#10;&#10;Opis je automatski generiran">
+            <a:extLst>
+              <a:ext uri="{FF2B5EF4-FFF2-40B4-BE49-F238E27FC236}">
+                <a16:creationId xmlns:a16="http://schemas.microsoft.com/office/drawing/2014/main" id="{487800E6-EDF2-D1E2-7FF7-E9A8BFA87355}"/>
+              </a:ext>
+            </a:extLst>
+          </p:cNvPr>
+          <p:cNvPicPr>
+            <a:picLocks noChangeAspect="1"/>
+          </p:cNvPicPr>
+          <p:nvPr/>
+        </p:nvPicPr>
+        <p:blipFill>
+          <a:blip r:embed="rId3"/>
+          <a:stretch>
+            <a:fillRect/>
+          </a:stretch>
+        </p:blipFill>
+        <p:spPr>
+          <a:xfrm>
+            <a:off x="6708371" y="4134853"/>
+            <a:ext cx="4319242" cy="2327637"/>
+          </a:xfrm>
+          <a:prstGeom prst="rect">
+            <a:avLst/>
+          </a:prstGeom>
+        </p:spPr>
+      </p:pic>
     </p:spTree>
   </p:cSld>
   <p:clrMapOvr>
@@ -31697,6 +31712,66 @@
           </a:p>
         </p:txBody>
       </p:sp>
+      <p:pic>
+        <p:nvPicPr>
+          <p:cNvPr id="3" name="Slika 2" descr="Slika na kojoj se prikazuje tekst, snimka zaslona, crta, Font&#10;&#10;Opis je automatski generiran">
+            <a:extLst>
+              <a:ext uri="{FF2B5EF4-FFF2-40B4-BE49-F238E27FC236}">
+                <a16:creationId xmlns:a16="http://schemas.microsoft.com/office/drawing/2014/main" id="{B50A2110-D4C4-CB8C-B8E3-66909FD52424}"/>
+              </a:ext>
+            </a:extLst>
+          </p:cNvPr>
+          <p:cNvPicPr>
+            <a:picLocks noChangeAspect="1"/>
+          </p:cNvPicPr>
+          <p:nvPr/>
+        </p:nvPicPr>
+        <p:blipFill>
+          <a:blip r:embed="rId3"/>
+          <a:stretch>
+            <a:fillRect/>
+          </a:stretch>
+        </p:blipFill>
+        <p:spPr>
+          <a:xfrm>
+            <a:off x="7432790" y="811213"/>
+            <a:ext cx="3943350" cy="2571750"/>
+          </a:xfrm>
+          <a:prstGeom prst="rect">
+            <a:avLst/>
+          </a:prstGeom>
+        </p:spPr>
+      </p:pic>
+      <p:pic>
+        <p:nvPicPr>
+          <p:cNvPr id="7" name="Slika 6" descr="Slika na kojoj se prikazuje tekst, crta, radnja, snimka zaslona&#10;&#10;Opis je automatski generiran">
+            <a:extLst>
+              <a:ext uri="{FF2B5EF4-FFF2-40B4-BE49-F238E27FC236}">
+                <a16:creationId xmlns:a16="http://schemas.microsoft.com/office/drawing/2014/main" id="{794B4762-0335-872F-5188-F334B6A2BA52}"/>
+              </a:ext>
+            </a:extLst>
+          </p:cNvPr>
+          <p:cNvPicPr>
+            <a:picLocks noChangeAspect="1"/>
+          </p:cNvPicPr>
+          <p:nvPr/>
+        </p:nvPicPr>
+        <p:blipFill>
+          <a:blip r:embed="rId4"/>
+          <a:stretch>
+            <a:fillRect/>
+          </a:stretch>
+        </p:blipFill>
+        <p:spPr>
+          <a:xfrm>
+            <a:off x="7089890" y="3945413"/>
+            <a:ext cx="4286250" cy="2562225"/>
+          </a:xfrm>
+          <a:prstGeom prst="rect">
+            <a:avLst/>
+          </a:prstGeom>
+        </p:spPr>
+      </p:pic>
     </p:spTree>
   </p:cSld>
   <p:clrMapOvr>
@@ -34602,157 +34677,6 @@
   <p:cSld>
     <p:spTree>
       <p:nvGrpSpPr>
-        <p:cNvPr id="1" name="Shape 471"/>
-        <p:cNvGrpSpPr/>
-        <p:nvPr/>
-      </p:nvGrpSpPr>
-      <p:grpSpPr>
-        <a:xfrm>
-          <a:off x="0" y="0"/>
-          <a:ext cx="0" cy="0"/>
-          <a:chOff x="0" y="0"/>
-          <a:chExt cx="0" cy="0"/>
-        </a:xfrm>
-      </p:grpSpPr>
-      <p:sp>
-        <p:nvSpPr>
-          <p:cNvPr id="472" name="Google Shape;472;p41"/>
-          <p:cNvSpPr txBox="1">
-            <a:spLocks noGrp="1"/>
-          </p:cNvSpPr>
-          <p:nvPr>
-            <p:ph type="title"/>
-          </p:nvPr>
-        </p:nvSpPr>
-        <p:spPr>
-          <a:xfrm>
-            <a:off x="1141413" y="618518"/>
-            <a:ext cx="9905998" cy="1478570"/>
-          </a:xfrm>
-          <a:prstGeom prst="rect">
-            <a:avLst/>
-          </a:prstGeom>
-          <a:noFill/>
-          <a:ln>
-            <a:noFill/>
-          </a:ln>
-        </p:spPr>
-        <p:txBody>
-          <a:bodyPr spcFirstLastPara="1" wrap="square" lIns="91425" tIns="45700" rIns="91425" bIns="45700" anchor="ctr" anchorCtr="0">
-            <a:normAutofit/>
-          </a:bodyPr>
-          <a:lstStyle/>
-          <a:p>
-            <a:pPr marL="0" lvl="0" indent="0" algn="l" rtl="0">
-              <a:lnSpc>
-                <a:spcPct val="90000"/>
-              </a:lnSpc>
-              <a:spcBef>
-                <a:spcPts val="0"/>
-              </a:spcBef>
-              <a:spcAft>
-                <a:spcPts val="0"/>
-              </a:spcAft>
-              <a:buClr>
-                <a:schemeClr val="lt1"/>
-              </a:buClr>
-              <a:buSzPts val="3600"/>
-              <a:buFont typeface="Twentieth Century"/>
-              <a:buNone/>
-            </a:pPr>
-            <a:endParaRPr/>
-          </a:p>
-        </p:txBody>
-      </p:sp>
-      <p:sp>
-        <p:nvSpPr>
-          <p:cNvPr id="473" name="Google Shape;473;p41"/>
-          <p:cNvSpPr txBox="1">
-            <a:spLocks noGrp="1"/>
-          </p:cNvSpPr>
-          <p:nvPr>
-            <p:ph type="body" idx="1"/>
-          </p:nvPr>
-        </p:nvSpPr>
-        <p:spPr>
-          <a:xfrm>
-            <a:off x="1141412" y="2249487"/>
-            <a:ext cx="9905999" cy="3541714"/>
-          </a:xfrm>
-          <a:prstGeom prst="rect">
-            <a:avLst/>
-          </a:prstGeom>
-          <a:noFill/>
-          <a:ln>
-            <a:noFill/>
-          </a:ln>
-        </p:spPr>
-        <p:txBody>
-          <a:bodyPr spcFirstLastPara="1" wrap="square" lIns="91425" tIns="45700" rIns="91425" bIns="45700" anchor="t" anchorCtr="0">
-            <a:normAutofit/>
-          </a:bodyPr>
-          <a:lstStyle/>
-          <a:p>
-            <a:pPr marL="228600" lvl="0" indent="-38100" algn="l" rtl="0">
-              <a:lnSpc>
-                <a:spcPct val="120000"/>
-              </a:lnSpc>
-              <a:spcBef>
-                <a:spcPts val="0"/>
-              </a:spcBef>
-              <a:spcAft>
-                <a:spcPts val="0"/>
-              </a:spcAft>
-              <a:buClr>
-                <a:schemeClr val="lt1"/>
-              </a:buClr>
-              <a:buSzPts val="3000"/>
-              <a:buNone/>
-            </a:pPr>
-            <a:endParaRPr/>
-          </a:p>
-        </p:txBody>
-      </p:sp>
-      <p:pic>
-        <p:nvPicPr>
-          <p:cNvPr id="474" name="Google Shape;474;p41"/>
-          <p:cNvPicPr preferRelativeResize="0"/>
-          <p:nvPr/>
-        </p:nvPicPr>
-        <p:blipFill rotWithShape="1">
-          <a:blip r:embed="rId3">
-            <a:alphaModFix/>
-          </a:blip>
-          <a:srcRect/>
-          <a:stretch/>
-        </p:blipFill>
-        <p:spPr>
-          <a:xfrm>
-            <a:off x="2011886" y="364271"/>
-            <a:ext cx="8518519" cy="5868601"/>
-          </a:xfrm>
-          <a:prstGeom prst="rect">
-            <a:avLst/>
-          </a:prstGeom>
-          <a:noFill/>
-          <a:ln>
-            <a:noFill/>
-          </a:ln>
-        </p:spPr>
-      </p:pic>
-    </p:spTree>
-  </p:cSld>
-  <p:clrMapOvr>
-    <a:masterClrMapping/>
-  </p:clrMapOvr>
-</p:sld>
-</file>
-
-<file path=ppt/slides/slide22.xml><?xml version="1.0" encoding="utf-8"?>
-<p:sld xmlns:a="http://schemas.openxmlformats.org/drawingml/2006/main" xmlns:r="http://schemas.openxmlformats.org/officeDocument/2006/relationships" xmlns:p="http://schemas.openxmlformats.org/presentationml/2006/main">
-  <p:cSld>
-    <p:spTree>
-      <p:nvGrpSpPr>
         <p:cNvPr id="1" name="Shape 478"/>
         <p:cNvGrpSpPr/>
         <p:nvPr/>
@@ -34903,7 +34827,7 @@
 </p:sld>
 </file>
 
-<file path=ppt/slides/slide23.xml><?xml version="1.0" encoding="utf-8"?>
+<file path=ppt/slides/slide22.xml><?xml version="1.0" encoding="utf-8"?>
 <p:sld xmlns:a="http://schemas.openxmlformats.org/drawingml/2006/main" xmlns:r="http://schemas.openxmlformats.org/officeDocument/2006/relationships" xmlns:p="http://schemas.openxmlformats.org/presentationml/2006/main">
   <p:cSld>
     <p:spTree>
@@ -35178,7 +35102,7 @@
 </p:sld>
 </file>
 
-<file path=ppt/slides/slide24.xml><?xml version="1.0" encoding="utf-8"?>
+<file path=ppt/slides/slide23.xml><?xml version="1.0" encoding="utf-8"?>
 <p:sld xmlns:a="http://schemas.openxmlformats.org/drawingml/2006/main" xmlns:r="http://schemas.openxmlformats.org/officeDocument/2006/relationships" xmlns:p="http://schemas.openxmlformats.org/presentationml/2006/main">
   <p:cSld>
     <p:spTree>
@@ -35403,7 +35327,7 @@
 </p:sld>
 </file>
 
-<file path=ppt/slides/slide25.xml><?xml version="1.0" encoding="utf-8"?>
+<file path=ppt/slides/slide24.xml><?xml version="1.0" encoding="utf-8"?>
 <p:sld xmlns:a="http://schemas.openxmlformats.org/drawingml/2006/main" xmlns:r="http://schemas.openxmlformats.org/officeDocument/2006/relationships" xmlns:p="http://schemas.openxmlformats.org/presentationml/2006/main">
   <p:cSld>
     <p:spTree>
@@ -35652,7 +35576,7 @@
 </p:sld>
 </file>
 
-<file path=ppt/slides/slide26.xml><?xml version="1.0" encoding="utf-8"?>
+<file path=ppt/slides/slide25.xml><?xml version="1.0" encoding="utf-8"?>
 <p:sld xmlns:a="http://schemas.openxmlformats.org/drawingml/2006/main" xmlns:r="http://schemas.openxmlformats.org/officeDocument/2006/relationships" xmlns:p="http://schemas.openxmlformats.org/presentationml/2006/main">
   <p:cSld>
     <p:spTree>
@@ -36029,7 +35953,7 @@
 </p:sld>
 </file>
 
-<file path=ppt/slides/slide27.xml><?xml version="1.0" encoding="utf-8"?>
+<file path=ppt/slides/slide26.xml><?xml version="1.0" encoding="utf-8"?>
 <p:sld xmlns:a="http://schemas.openxmlformats.org/drawingml/2006/main" xmlns:r="http://schemas.openxmlformats.org/officeDocument/2006/relationships" xmlns:p="http://schemas.openxmlformats.org/presentationml/2006/main">
   <p:cSld>
     <p:spTree>
@@ -36390,7 +36314,7 @@
 </p:sld>
 </file>
 
-<file path=ppt/slides/slide28.xml><?xml version="1.0" encoding="utf-8"?>
+<file path=ppt/slides/slide27.xml><?xml version="1.0" encoding="utf-8"?>
 <p:sld xmlns:a="http://schemas.openxmlformats.org/drawingml/2006/main" xmlns:r="http://schemas.openxmlformats.org/officeDocument/2006/relationships" xmlns:p="http://schemas.openxmlformats.org/presentationml/2006/main">
   <p:cSld>
     <p:spTree>
@@ -36635,7 +36559,7 @@
 </p:sld>
 </file>
 
-<file path=ppt/slides/slide29.xml><?xml version="1.0" encoding="utf-8"?>
+<file path=ppt/slides/slide28.xml><?xml version="1.0" encoding="utf-8"?>
 <p:sld xmlns:a="http://schemas.openxmlformats.org/drawingml/2006/main" xmlns:r="http://schemas.openxmlformats.org/officeDocument/2006/relationships" xmlns:p="http://schemas.openxmlformats.org/presentationml/2006/main">
   <p:cSld>
     <p:spTree>
@@ -36867,6 +36791,215 @@
             <a:r>
               <a:rPr lang="hr-HR" dirty="0"/>
               <a:t> cloud)</a:t>
+            </a:r>
+            <a:endParaRPr dirty="0"/>
+          </a:p>
+        </p:txBody>
+      </p:sp>
+    </p:spTree>
+  </p:cSld>
+  <p:clrMapOvr>
+    <a:masterClrMapping/>
+  </p:clrMapOvr>
+</p:sld>
+</file>
+
+<file path=ppt/slides/slide29.xml><?xml version="1.0" encoding="utf-8"?>
+<p:sld xmlns:a="http://schemas.openxmlformats.org/drawingml/2006/main" xmlns:r="http://schemas.openxmlformats.org/officeDocument/2006/relationships" xmlns:p="http://schemas.openxmlformats.org/presentationml/2006/main">
+  <p:cSld>
+    <p:spTree>
+      <p:nvGrpSpPr>
+        <p:cNvPr id="1" name="Shape 528"/>
+        <p:cNvGrpSpPr/>
+        <p:nvPr/>
+      </p:nvGrpSpPr>
+      <p:grpSpPr>
+        <a:xfrm>
+          <a:off x="0" y="0"/>
+          <a:ext cx="0" cy="0"/>
+          <a:chOff x="0" y="0"/>
+          <a:chExt cx="0" cy="0"/>
+        </a:xfrm>
+      </p:grpSpPr>
+      <p:sp>
+        <p:nvSpPr>
+          <p:cNvPr id="529" name="Google Shape;529;p50"/>
+          <p:cNvSpPr txBox="1">
+            <a:spLocks noGrp="1"/>
+          </p:cNvSpPr>
+          <p:nvPr>
+            <p:ph type="title"/>
+          </p:nvPr>
+        </p:nvSpPr>
+        <p:spPr>
+          <a:xfrm>
+            <a:off x="1141413" y="618518"/>
+            <a:ext cx="9906000" cy="1478700"/>
+          </a:xfrm>
+          <a:prstGeom prst="rect">
+            <a:avLst/>
+          </a:prstGeom>
+        </p:spPr>
+        <p:txBody>
+          <a:bodyPr spcFirstLastPara="1" wrap="square" lIns="91425" tIns="45700" rIns="91425" bIns="45700" anchor="ctr" anchorCtr="0">
+            <a:normAutofit/>
+          </a:bodyPr>
+          <a:lstStyle/>
+          <a:p>
+            <a:pPr marL="0" lvl="0" indent="0" algn="l" rtl="0">
+              <a:spcBef>
+                <a:spcPts val="0"/>
+              </a:spcBef>
+              <a:spcAft>
+                <a:spcPts val="0"/>
+              </a:spcAft>
+              <a:buNone/>
+            </a:pPr>
+            <a:r>
+              <a:rPr lang="hr-HR" sz="3200" dirty="0"/>
+              <a:t>AWS primjeri</a:t>
+            </a:r>
+            <a:endParaRPr sz="3200" dirty="0"/>
+          </a:p>
+        </p:txBody>
+      </p:sp>
+      <p:sp>
+        <p:nvSpPr>
+          <p:cNvPr id="530" name="Google Shape;530;p50"/>
+          <p:cNvSpPr txBox="1">
+            <a:spLocks noGrp="1"/>
+          </p:cNvSpPr>
+          <p:nvPr>
+            <p:ph type="body" idx="1"/>
+          </p:nvPr>
+        </p:nvSpPr>
+        <p:spPr>
+          <a:xfrm>
+            <a:off x="1141412" y="2249487"/>
+            <a:ext cx="9906000" cy="3541800"/>
+          </a:xfrm>
+          <a:prstGeom prst="rect">
+            <a:avLst/>
+          </a:prstGeom>
+        </p:spPr>
+        <p:txBody>
+          <a:bodyPr spcFirstLastPara="1" wrap="square" lIns="91425" tIns="45700" rIns="91425" bIns="45700" anchor="t" anchorCtr="0">
+            <a:normAutofit/>
+          </a:bodyPr>
+          <a:lstStyle/>
+          <a:p>
+            <a:pPr marL="457200" lvl="0" indent="-371475" algn="l" rtl="0">
+              <a:spcBef>
+                <a:spcPts val="1000"/>
+              </a:spcBef>
+              <a:spcAft>
+                <a:spcPts val="0"/>
+              </a:spcAft>
+              <a:buSzPts val="2250"/>
+              <a:buChar char="•"/>
+            </a:pPr>
+            <a:r>
+              <a:rPr lang="hr-HR" dirty="0"/>
+              <a:t>EC2</a:t>
+            </a:r>
+            <a:endParaRPr dirty="0"/>
+          </a:p>
+          <a:p>
+            <a:pPr marL="457200" lvl="0" indent="-371475" algn="l" rtl="0">
+              <a:spcBef>
+                <a:spcPts val="0"/>
+              </a:spcBef>
+              <a:spcAft>
+                <a:spcPts val="0"/>
+              </a:spcAft>
+              <a:buSzPts val="2250"/>
+              <a:buChar char="•"/>
+            </a:pPr>
+            <a:r>
+              <a:rPr lang="hr-HR" dirty="0"/>
+              <a:t>ECS</a:t>
+            </a:r>
+            <a:endParaRPr dirty="0"/>
+          </a:p>
+          <a:p>
+            <a:pPr marL="457200" lvl="0" indent="-371475" algn="l" rtl="0">
+              <a:spcBef>
+                <a:spcPts val="0"/>
+              </a:spcBef>
+              <a:spcAft>
+                <a:spcPts val="0"/>
+              </a:spcAft>
+              <a:buSzPts val="2250"/>
+              <a:buChar char="•"/>
+            </a:pPr>
+            <a:r>
+              <a:rPr lang="hr-HR" dirty="0"/>
+              <a:t>AWS </a:t>
+            </a:r>
+            <a:r>
+              <a:rPr lang="hr-HR" dirty="0" err="1"/>
+              <a:t>Batch</a:t>
+            </a:r>
+            <a:endParaRPr dirty="0"/>
+          </a:p>
+          <a:p>
+            <a:pPr marL="457200" lvl="0" indent="-371475" algn="l" rtl="0">
+              <a:spcBef>
+                <a:spcPts val="0"/>
+              </a:spcBef>
+              <a:spcAft>
+                <a:spcPts val="0"/>
+              </a:spcAft>
+              <a:buSzPts val="2250"/>
+              <a:buChar char="•"/>
+            </a:pPr>
+            <a:r>
+              <a:rPr lang="hr-HR" dirty="0"/>
+              <a:t>AWS </a:t>
+            </a:r>
+            <a:r>
+              <a:rPr lang="hr-HR" dirty="0" err="1"/>
+              <a:t>Compute</a:t>
+            </a:r>
+            <a:r>
+              <a:rPr lang="hr-HR" dirty="0"/>
+              <a:t> </a:t>
+            </a:r>
+            <a:r>
+              <a:rPr lang="hr-HR" dirty="0" err="1"/>
+              <a:t>Optimizer</a:t>
+            </a:r>
+            <a:r>
+              <a:rPr lang="hr-HR" dirty="0"/>
+              <a:t> i AWS </a:t>
+            </a:r>
+            <a:r>
+              <a:rPr lang="hr-HR" dirty="0" err="1"/>
+              <a:t>Cost</a:t>
+            </a:r>
+            <a:r>
+              <a:rPr lang="hr-HR" dirty="0"/>
+              <a:t> </a:t>
+            </a:r>
+            <a:r>
+              <a:rPr lang="hr-HR" dirty="0" err="1"/>
+              <a:t>and</a:t>
+            </a:r>
+            <a:r>
+              <a:rPr lang="hr-HR" dirty="0"/>
+              <a:t> </a:t>
+            </a:r>
+            <a:r>
+              <a:rPr lang="hr-HR" dirty="0" err="1"/>
+              <a:t>Usage</a:t>
+            </a:r>
+            <a:r>
+              <a:rPr lang="hr-HR" dirty="0"/>
+              <a:t> </a:t>
+            </a:r>
+            <a:r>
+              <a:rPr lang="hr-HR" dirty="0" err="1"/>
+              <a:t>Reports</a:t>
             </a:r>
             <a:endParaRPr dirty="0"/>
           </a:p>
@@ -39400,215 +39533,6 @@
   <p:cSld>
     <p:spTree>
       <p:nvGrpSpPr>
-        <p:cNvPr id="1" name="Shape 528"/>
-        <p:cNvGrpSpPr/>
-        <p:nvPr/>
-      </p:nvGrpSpPr>
-      <p:grpSpPr>
-        <a:xfrm>
-          <a:off x="0" y="0"/>
-          <a:ext cx="0" cy="0"/>
-          <a:chOff x="0" y="0"/>
-          <a:chExt cx="0" cy="0"/>
-        </a:xfrm>
-      </p:grpSpPr>
-      <p:sp>
-        <p:nvSpPr>
-          <p:cNvPr id="529" name="Google Shape;529;p50"/>
-          <p:cNvSpPr txBox="1">
-            <a:spLocks noGrp="1"/>
-          </p:cNvSpPr>
-          <p:nvPr>
-            <p:ph type="title"/>
-          </p:nvPr>
-        </p:nvSpPr>
-        <p:spPr>
-          <a:xfrm>
-            <a:off x="1141413" y="618518"/>
-            <a:ext cx="9906000" cy="1478700"/>
-          </a:xfrm>
-          <a:prstGeom prst="rect">
-            <a:avLst/>
-          </a:prstGeom>
-        </p:spPr>
-        <p:txBody>
-          <a:bodyPr spcFirstLastPara="1" wrap="square" lIns="91425" tIns="45700" rIns="91425" bIns="45700" anchor="ctr" anchorCtr="0">
-            <a:normAutofit/>
-          </a:bodyPr>
-          <a:lstStyle/>
-          <a:p>
-            <a:pPr marL="0" lvl="0" indent="0" algn="l" rtl="0">
-              <a:spcBef>
-                <a:spcPts val="0"/>
-              </a:spcBef>
-              <a:spcAft>
-                <a:spcPts val="0"/>
-              </a:spcAft>
-              <a:buNone/>
-            </a:pPr>
-            <a:r>
-              <a:rPr lang="hr-HR" sz="3200" dirty="0"/>
-              <a:t>AWS primjeri</a:t>
-            </a:r>
-            <a:endParaRPr sz="3200" dirty="0"/>
-          </a:p>
-        </p:txBody>
-      </p:sp>
-      <p:sp>
-        <p:nvSpPr>
-          <p:cNvPr id="530" name="Google Shape;530;p50"/>
-          <p:cNvSpPr txBox="1">
-            <a:spLocks noGrp="1"/>
-          </p:cNvSpPr>
-          <p:nvPr>
-            <p:ph type="body" idx="1"/>
-          </p:nvPr>
-        </p:nvSpPr>
-        <p:spPr>
-          <a:xfrm>
-            <a:off x="1141412" y="2249487"/>
-            <a:ext cx="9906000" cy="3541800"/>
-          </a:xfrm>
-          <a:prstGeom prst="rect">
-            <a:avLst/>
-          </a:prstGeom>
-        </p:spPr>
-        <p:txBody>
-          <a:bodyPr spcFirstLastPara="1" wrap="square" lIns="91425" tIns="45700" rIns="91425" bIns="45700" anchor="t" anchorCtr="0">
-            <a:normAutofit/>
-          </a:bodyPr>
-          <a:lstStyle/>
-          <a:p>
-            <a:pPr marL="457200" lvl="0" indent="-371475" algn="l" rtl="0">
-              <a:spcBef>
-                <a:spcPts val="1000"/>
-              </a:spcBef>
-              <a:spcAft>
-                <a:spcPts val="0"/>
-              </a:spcAft>
-              <a:buSzPts val="2250"/>
-              <a:buChar char="•"/>
-            </a:pPr>
-            <a:r>
-              <a:rPr lang="hr-HR" dirty="0"/>
-              <a:t>EC2</a:t>
-            </a:r>
-            <a:endParaRPr dirty="0"/>
-          </a:p>
-          <a:p>
-            <a:pPr marL="457200" lvl="0" indent="-371475" algn="l" rtl="0">
-              <a:spcBef>
-                <a:spcPts val="0"/>
-              </a:spcBef>
-              <a:spcAft>
-                <a:spcPts val="0"/>
-              </a:spcAft>
-              <a:buSzPts val="2250"/>
-              <a:buChar char="•"/>
-            </a:pPr>
-            <a:r>
-              <a:rPr lang="hr-HR" dirty="0"/>
-              <a:t>ECS</a:t>
-            </a:r>
-            <a:endParaRPr dirty="0"/>
-          </a:p>
-          <a:p>
-            <a:pPr marL="457200" lvl="0" indent="-371475" algn="l" rtl="0">
-              <a:spcBef>
-                <a:spcPts val="0"/>
-              </a:spcBef>
-              <a:spcAft>
-                <a:spcPts val="0"/>
-              </a:spcAft>
-              <a:buSzPts val="2250"/>
-              <a:buChar char="•"/>
-            </a:pPr>
-            <a:r>
-              <a:rPr lang="hr-HR" dirty="0"/>
-              <a:t>AWS </a:t>
-            </a:r>
-            <a:r>
-              <a:rPr lang="hr-HR" dirty="0" err="1"/>
-              <a:t>Batch</a:t>
-            </a:r>
-            <a:endParaRPr dirty="0"/>
-          </a:p>
-          <a:p>
-            <a:pPr marL="457200" lvl="0" indent="-371475" algn="l" rtl="0">
-              <a:spcBef>
-                <a:spcPts val="0"/>
-              </a:spcBef>
-              <a:spcAft>
-                <a:spcPts val="0"/>
-              </a:spcAft>
-              <a:buSzPts val="2250"/>
-              <a:buChar char="•"/>
-            </a:pPr>
-            <a:r>
-              <a:rPr lang="hr-HR" dirty="0"/>
-              <a:t>AWS </a:t>
-            </a:r>
-            <a:r>
-              <a:rPr lang="hr-HR" dirty="0" err="1"/>
-              <a:t>Compute</a:t>
-            </a:r>
-            <a:r>
-              <a:rPr lang="hr-HR" dirty="0"/>
-              <a:t> </a:t>
-            </a:r>
-            <a:r>
-              <a:rPr lang="hr-HR" dirty="0" err="1"/>
-              <a:t>Optimizer</a:t>
-            </a:r>
-            <a:r>
-              <a:rPr lang="hr-HR" dirty="0"/>
-              <a:t> i AWS </a:t>
-            </a:r>
-            <a:r>
-              <a:rPr lang="hr-HR" dirty="0" err="1"/>
-              <a:t>Cost</a:t>
-            </a:r>
-            <a:r>
-              <a:rPr lang="hr-HR" dirty="0"/>
-              <a:t> </a:t>
-            </a:r>
-            <a:r>
-              <a:rPr lang="hr-HR" dirty="0" err="1"/>
-              <a:t>and</a:t>
-            </a:r>
-            <a:r>
-              <a:rPr lang="hr-HR" dirty="0"/>
-              <a:t> </a:t>
-            </a:r>
-            <a:r>
-              <a:rPr lang="hr-HR" dirty="0" err="1"/>
-              <a:t>Usage</a:t>
-            </a:r>
-            <a:r>
-              <a:rPr lang="hr-HR" dirty="0"/>
-              <a:t> </a:t>
-            </a:r>
-            <a:r>
-              <a:rPr lang="hr-HR" dirty="0" err="1"/>
-              <a:t>Reports</a:t>
-            </a:r>
-            <a:endParaRPr dirty="0"/>
-          </a:p>
-        </p:txBody>
-      </p:sp>
-    </p:spTree>
-  </p:cSld>
-  <p:clrMapOvr>
-    <a:masterClrMapping/>
-  </p:clrMapOvr>
-</p:sld>
-</file>
-
-<file path=ppt/slides/slide31.xml><?xml version="1.0" encoding="utf-8"?>
-<p:sld xmlns:a="http://schemas.openxmlformats.org/drawingml/2006/main" xmlns:r="http://schemas.openxmlformats.org/officeDocument/2006/relationships" xmlns:p="http://schemas.openxmlformats.org/presentationml/2006/main">
-  <p:cSld>
-    <p:spTree>
-      <p:nvGrpSpPr>
         <p:cNvPr id="1" name="Shape 535"/>
         <p:cNvGrpSpPr/>
         <p:nvPr/>
@@ -39741,7 +39665,7 @@
 </p:sld>
 </file>
 
-<file path=ppt/slides/slide32.xml><?xml version="1.0" encoding="utf-8"?>
+<file path=ppt/slides/slide31.xml><?xml version="1.0" encoding="utf-8"?>
 <p:sld xmlns:a="http://schemas.openxmlformats.org/drawingml/2006/main" xmlns:r="http://schemas.openxmlformats.org/officeDocument/2006/relationships" xmlns:p="http://schemas.openxmlformats.org/presentationml/2006/main">
   <p:cSld>
     <p:spTree>
@@ -39884,7 +39808,7 @@
 </p:sld>
 </file>
 
-<file path=ppt/slides/slide33.xml><?xml version="1.0" encoding="utf-8"?>
+<file path=ppt/slides/slide32.xml><?xml version="1.0" encoding="utf-8"?>
 <p:sld xmlns:a="http://schemas.openxmlformats.org/drawingml/2006/main" xmlns:r="http://schemas.openxmlformats.org/officeDocument/2006/relationships" xmlns:p="http://schemas.openxmlformats.org/presentationml/2006/main">
   <p:cSld>
     <p:spTree>
@@ -40180,7 +40104,7 @@
 </p:sld>
 </file>
 
-<file path=ppt/slides/slide34.xml><?xml version="1.0" encoding="utf-8"?>
+<file path=ppt/slides/slide33.xml><?xml version="1.0" encoding="utf-8"?>
 <p:sld xmlns:a="http://schemas.openxmlformats.org/drawingml/2006/main" xmlns:r="http://schemas.openxmlformats.org/officeDocument/2006/relationships" xmlns:p="http://schemas.openxmlformats.org/presentationml/2006/main">
   <p:cSld>
     <p:spTree>
@@ -40627,7 +40551,7 @@
 </p:sld>
 </file>
 
-<file path=ppt/slides/slide35.xml><?xml version="1.0" encoding="utf-8"?>
+<file path=ppt/slides/slide34.xml><?xml version="1.0" encoding="utf-8"?>
 <p:sld xmlns:a="http://schemas.openxmlformats.org/drawingml/2006/main" xmlns:r="http://schemas.openxmlformats.org/officeDocument/2006/relationships" xmlns:p="http://schemas.openxmlformats.org/presentationml/2006/main">
   <p:cSld>
     <p:spTree>
@@ -40746,7 +40670,7 @@
 </p:sld>
 </file>
 
-<file path=ppt/slides/slide36.xml><?xml version="1.0" encoding="utf-8"?>
+<file path=ppt/slides/slide35.xml><?xml version="1.0" encoding="utf-8"?>
 <p:sld xmlns:a="http://schemas.openxmlformats.org/drawingml/2006/main" xmlns:r="http://schemas.openxmlformats.org/officeDocument/2006/relationships" xmlns:p="http://schemas.openxmlformats.org/presentationml/2006/main">
   <p:cSld>
     <p:spTree>
@@ -40926,7 +40850,7 @@
 </p:sld>
 </file>
 
-<file path=ppt/slides/slide37.xml><?xml version="1.0" encoding="utf-8"?>
+<file path=ppt/slides/slide36.xml><?xml version="1.0" encoding="utf-8"?>
 <p:sld xmlns:a="http://schemas.openxmlformats.org/drawingml/2006/main" xmlns:r="http://schemas.openxmlformats.org/officeDocument/2006/relationships" xmlns:p="http://schemas.openxmlformats.org/presentationml/2006/main">
   <p:cSld>
     <p:spTree>
@@ -41045,7 +40969,7 @@
 </p:sld>
 </file>
 
-<file path=ppt/slides/slide38.xml><?xml version="1.0" encoding="utf-8"?>
+<file path=ppt/slides/slide37.xml><?xml version="1.0" encoding="utf-8"?>
 <p:sld xmlns:a="http://schemas.openxmlformats.org/drawingml/2006/main" xmlns:r="http://schemas.openxmlformats.org/officeDocument/2006/relationships" xmlns:p="http://schemas.openxmlformats.org/presentationml/2006/main">
   <p:cSld>
     <p:spTree>
